--- a/Презентация.pptx
+++ b/Презентация.pptx
@@ -12,6 +12,9 @@
     <p:sldId id="260" r:id="rId6"/>
     <p:sldId id="261" r:id="rId7"/>
     <p:sldId id="262" r:id="rId8"/>
+    <p:sldId id="263" r:id="rId9"/>
+    <p:sldId id="264" r:id="rId10"/>
+    <p:sldId id="265" r:id="rId11"/>
   </p:sldIdLst>
   <p:sldSz cx="12192000" cy="6858000"/>
   <p:notesSz cx="6858000" cy="9144000"/>
@@ -135,7 +138,7 @@
           <p:cNvPr id="2" name="Заголовок 1">
             <a:extLst>
               <a:ext uri="{FF2B5EF4-FFF2-40B4-BE49-F238E27FC236}">
-                <a16:creationId xmlns:a16="http://schemas.microsoft.com/office/drawing/2014/main" id="{6E3C69DD-FB23-4AB7-AE01-A36D76681359}"/>
+                <a16:creationId xmlns:a16="http://schemas.microsoft.com/office/drawing/2014/main" xmlns="" id="{6E3C69DD-FB23-4AB7-AE01-A36D76681359}"/>
               </a:ext>
             </a:extLst>
           </p:cNvPr>
@@ -172,7 +175,7 @@
           <p:cNvPr id="3" name="Подзаголовок 2">
             <a:extLst>
               <a:ext uri="{FF2B5EF4-FFF2-40B4-BE49-F238E27FC236}">
-                <a16:creationId xmlns:a16="http://schemas.microsoft.com/office/drawing/2014/main" id="{2AEF6C43-CB5D-44CC-A717-CF398FB181A4}"/>
+                <a16:creationId xmlns:a16="http://schemas.microsoft.com/office/drawing/2014/main" xmlns="" id="{2AEF6C43-CB5D-44CC-A717-CF398FB181A4}"/>
               </a:ext>
             </a:extLst>
           </p:cNvPr>
@@ -242,7 +245,7 @@
           <p:cNvPr id="4" name="Дата 3">
             <a:extLst>
               <a:ext uri="{FF2B5EF4-FFF2-40B4-BE49-F238E27FC236}">
-                <a16:creationId xmlns:a16="http://schemas.microsoft.com/office/drawing/2014/main" id="{9D88C45A-DAAC-48AB-A9EE-D54E08BDF116}"/>
+                <a16:creationId xmlns:a16="http://schemas.microsoft.com/office/drawing/2014/main" xmlns="" id="{9D88C45A-DAAC-48AB-A9EE-D54E08BDF116}"/>
               </a:ext>
             </a:extLst>
           </p:cNvPr>
@@ -260,7 +263,7 @@
           <a:p>
             <a:fld id="{2475D37A-AD5B-460F-A668-E8C43A4C6548}" type="datetimeFigureOut">
               <a:rPr lang="ru-RU" smtClean="0"/>
-              <a:t>13.02.2021</a:t>
+              <a:t>19.02.2021</a:t>
             </a:fld>
             <a:endParaRPr lang="ru-RU"/>
           </a:p>
@@ -271,7 +274,7 @@
           <p:cNvPr id="5" name="Нижний колонтитул 4">
             <a:extLst>
               <a:ext uri="{FF2B5EF4-FFF2-40B4-BE49-F238E27FC236}">
-                <a16:creationId xmlns:a16="http://schemas.microsoft.com/office/drawing/2014/main" id="{DFD1F308-487C-418B-BA38-9A39770D045B}"/>
+                <a16:creationId xmlns:a16="http://schemas.microsoft.com/office/drawing/2014/main" xmlns="" id="{DFD1F308-487C-418B-BA38-9A39770D045B}"/>
               </a:ext>
             </a:extLst>
           </p:cNvPr>
@@ -296,7 +299,7 @@
           <p:cNvPr id="6" name="Номер слайда 5">
             <a:extLst>
               <a:ext uri="{FF2B5EF4-FFF2-40B4-BE49-F238E27FC236}">
-                <a16:creationId xmlns:a16="http://schemas.microsoft.com/office/drawing/2014/main" id="{2BD70B8D-C0A3-4966-894D-964FE4CB37AA}"/>
+                <a16:creationId xmlns:a16="http://schemas.microsoft.com/office/drawing/2014/main" xmlns="" id="{2BD70B8D-C0A3-4966-894D-964FE4CB37AA}"/>
               </a:ext>
             </a:extLst>
           </p:cNvPr>
@@ -355,7 +358,7 @@
           <p:cNvPr id="2" name="Заголовок 1">
             <a:extLst>
               <a:ext uri="{FF2B5EF4-FFF2-40B4-BE49-F238E27FC236}">
-                <a16:creationId xmlns:a16="http://schemas.microsoft.com/office/drawing/2014/main" id="{17278FC3-978B-4455-B351-903EF7B56CC7}"/>
+                <a16:creationId xmlns:a16="http://schemas.microsoft.com/office/drawing/2014/main" xmlns="" id="{17278FC3-978B-4455-B351-903EF7B56CC7}"/>
               </a:ext>
             </a:extLst>
           </p:cNvPr>
@@ -383,7 +386,7 @@
           <p:cNvPr id="3" name="Вертикальный текст 2">
             <a:extLst>
               <a:ext uri="{FF2B5EF4-FFF2-40B4-BE49-F238E27FC236}">
-                <a16:creationId xmlns:a16="http://schemas.microsoft.com/office/drawing/2014/main" id="{67BC7240-CA4E-41E0-A17D-DC0A377882F1}"/>
+                <a16:creationId xmlns:a16="http://schemas.microsoft.com/office/drawing/2014/main" xmlns="" id="{67BC7240-CA4E-41E0-A17D-DC0A377882F1}"/>
               </a:ext>
             </a:extLst>
           </p:cNvPr>
@@ -440,7 +443,7 @@
           <p:cNvPr id="4" name="Дата 3">
             <a:extLst>
               <a:ext uri="{FF2B5EF4-FFF2-40B4-BE49-F238E27FC236}">
-                <a16:creationId xmlns:a16="http://schemas.microsoft.com/office/drawing/2014/main" id="{D78D84CB-2CF1-479E-AC58-BB240F6493DB}"/>
+                <a16:creationId xmlns:a16="http://schemas.microsoft.com/office/drawing/2014/main" xmlns="" id="{D78D84CB-2CF1-479E-AC58-BB240F6493DB}"/>
               </a:ext>
             </a:extLst>
           </p:cNvPr>
@@ -458,7 +461,7 @@
           <a:p>
             <a:fld id="{2475D37A-AD5B-460F-A668-E8C43A4C6548}" type="datetimeFigureOut">
               <a:rPr lang="ru-RU" smtClean="0"/>
-              <a:t>13.02.2021</a:t>
+              <a:t>19.02.2021</a:t>
             </a:fld>
             <a:endParaRPr lang="ru-RU"/>
           </a:p>
@@ -469,7 +472,7 @@
           <p:cNvPr id="5" name="Нижний колонтитул 4">
             <a:extLst>
               <a:ext uri="{FF2B5EF4-FFF2-40B4-BE49-F238E27FC236}">
-                <a16:creationId xmlns:a16="http://schemas.microsoft.com/office/drawing/2014/main" id="{8F133AA8-A3A5-4567-BE5F-9C9A6727588E}"/>
+                <a16:creationId xmlns:a16="http://schemas.microsoft.com/office/drawing/2014/main" xmlns="" id="{8F133AA8-A3A5-4567-BE5F-9C9A6727588E}"/>
               </a:ext>
             </a:extLst>
           </p:cNvPr>
@@ -494,7 +497,7 @@
           <p:cNvPr id="6" name="Номер слайда 5">
             <a:extLst>
               <a:ext uri="{FF2B5EF4-FFF2-40B4-BE49-F238E27FC236}">
-                <a16:creationId xmlns:a16="http://schemas.microsoft.com/office/drawing/2014/main" id="{70E21815-16DC-4008-B506-F00F012FA57B}"/>
+                <a16:creationId xmlns:a16="http://schemas.microsoft.com/office/drawing/2014/main" xmlns="" id="{70E21815-16DC-4008-B506-F00F012FA57B}"/>
               </a:ext>
             </a:extLst>
           </p:cNvPr>
@@ -553,7 +556,7 @@
           <p:cNvPr id="2" name="Вертикальный заголовок 1">
             <a:extLst>
               <a:ext uri="{FF2B5EF4-FFF2-40B4-BE49-F238E27FC236}">
-                <a16:creationId xmlns:a16="http://schemas.microsoft.com/office/drawing/2014/main" id="{2878905B-7400-4367-9F73-3E1E2D3EE961}"/>
+                <a16:creationId xmlns:a16="http://schemas.microsoft.com/office/drawing/2014/main" xmlns="" id="{2878905B-7400-4367-9F73-3E1E2D3EE961}"/>
               </a:ext>
             </a:extLst>
           </p:cNvPr>
@@ -586,7 +589,7 @@
           <p:cNvPr id="3" name="Вертикальный текст 2">
             <a:extLst>
               <a:ext uri="{FF2B5EF4-FFF2-40B4-BE49-F238E27FC236}">
-                <a16:creationId xmlns:a16="http://schemas.microsoft.com/office/drawing/2014/main" id="{C97A5605-71B8-4E9D-9D92-7360BA3A7968}"/>
+                <a16:creationId xmlns:a16="http://schemas.microsoft.com/office/drawing/2014/main" xmlns="" id="{C97A5605-71B8-4E9D-9D92-7360BA3A7968}"/>
               </a:ext>
             </a:extLst>
           </p:cNvPr>
@@ -648,7 +651,7 @@
           <p:cNvPr id="4" name="Дата 3">
             <a:extLst>
               <a:ext uri="{FF2B5EF4-FFF2-40B4-BE49-F238E27FC236}">
-                <a16:creationId xmlns:a16="http://schemas.microsoft.com/office/drawing/2014/main" id="{1CFCD2B7-8316-4C64-9207-110C1C520778}"/>
+                <a16:creationId xmlns:a16="http://schemas.microsoft.com/office/drawing/2014/main" xmlns="" id="{1CFCD2B7-8316-4C64-9207-110C1C520778}"/>
               </a:ext>
             </a:extLst>
           </p:cNvPr>
@@ -666,7 +669,7 @@
           <a:p>
             <a:fld id="{2475D37A-AD5B-460F-A668-E8C43A4C6548}" type="datetimeFigureOut">
               <a:rPr lang="ru-RU" smtClean="0"/>
-              <a:t>13.02.2021</a:t>
+              <a:t>19.02.2021</a:t>
             </a:fld>
             <a:endParaRPr lang="ru-RU"/>
           </a:p>
@@ -677,7 +680,7 @@
           <p:cNvPr id="5" name="Нижний колонтитул 4">
             <a:extLst>
               <a:ext uri="{FF2B5EF4-FFF2-40B4-BE49-F238E27FC236}">
-                <a16:creationId xmlns:a16="http://schemas.microsoft.com/office/drawing/2014/main" id="{948BF290-FF1D-493B-8494-E3E60A909455}"/>
+                <a16:creationId xmlns:a16="http://schemas.microsoft.com/office/drawing/2014/main" xmlns="" id="{948BF290-FF1D-493B-8494-E3E60A909455}"/>
               </a:ext>
             </a:extLst>
           </p:cNvPr>
@@ -702,7 +705,7 @@
           <p:cNvPr id="6" name="Номер слайда 5">
             <a:extLst>
               <a:ext uri="{FF2B5EF4-FFF2-40B4-BE49-F238E27FC236}">
-                <a16:creationId xmlns:a16="http://schemas.microsoft.com/office/drawing/2014/main" id="{9805A3DD-1488-4441-BE2E-C7BBC5B4805D}"/>
+                <a16:creationId xmlns:a16="http://schemas.microsoft.com/office/drawing/2014/main" xmlns="" id="{9805A3DD-1488-4441-BE2E-C7BBC5B4805D}"/>
               </a:ext>
             </a:extLst>
           </p:cNvPr>
@@ -761,7 +764,7 @@
           <p:cNvPr id="2" name="Заголовок 1">
             <a:extLst>
               <a:ext uri="{FF2B5EF4-FFF2-40B4-BE49-F238E27FC236}">
-                <a16:creationId xmlns:a16="http://schemas.microsoft.com/office/drawing/2014/main" id="{0F6EA5C5-D243-4A6B-9298-338B84E0217D}"/>
+                <a16:creationId xmlns:a16="http://schemas.microsoft.com/office/drawing/2014/main" xmlns="" id="{0F6EA5C5-D243-4A6B-9298-338B84E0217D}"/>
               </a:ext>
             </a:extLst>
           </p:cNvPr>
@@ -789,7 +792,7 @@
           <p:cNvPr id="3" name="Объект 2">
             <a:extLst>
               <a:ext uri="{FF2B5EF4-FFF2-40B4-BE49-F238E27FC236}">
-                <a16:creationId xmlns:a16="http://schemas.microsoft.com/office/drawing/2014/main" id="{0318AEBE-1404-470A-AE4B-F547D6EBEF66}"/>
+                <a16:creationId xmlns:a16="http://schemas.microsoft.com/office/drawing/2014/main" xmlns="" id="{0318AEBE-1404-470A-AE4B-F547D6EBEF66}"/>
               </a:ext>
             </a:extLst>
           </p:cNvPr>
@@ -846,7 +849,7 @@
           <p:cNvPr id="4" name="Дата 3">
             <a:extLst>
               <a:ext uri="{FF2B5EF4-FFF2-40B4-BE49-F238E27FC236}">
-                <a16:creationId xmlns:a16="http://schemas.microsoft.com/office/drawing/2014/main" id="{550E7062-6020-4325-AF02-EFE2D885C064}"/>
+                <a16:creationId xmlns:a16="http://schemas.microsoft.com/office/drawing/2014/main" xmlns="" id="{550E7062-6020-4325-AF02-EFE2D885C064}"/>
               </a:ext>
             </a:extLst>
           </p:cNvPr>
@@ -864,7 +867,7 @@
           <a:p>
             <a:fld id="{2475D37A-AD5B-460F-A668-E8C43A4C6548}" type="datetimeFigureOut">
               <a:rPr lang="ru-RU" smtClean="0"/>
-              <a:t>13.02.2021</a:t>
+              <a:t>19.02.2021</a:t>
             </a:fld>
             <a:endParaRPr lang="ru-RU"/>
           </a:p>
@@ -875,7 +878,7 @@
           <p:cNvPr id="5" name="Нижний колонтитул 4">
             <a:extLst>
               <a:ext uri="{FF2B5EF4-FFF2-40B4-BE49-F238E27FC236}">
-                <a16:creationId xmlns:a16="http://schemas.microsoft.com/office/drawing/2014/main" id="{40168559-120D-4AE7-9161-5F3C6269463E}"/>
+                <a16:creationId xmlns:a16="http://schemas.microsoft.com/office/drawing/2014/main" xmlns="" id="{40168559-120D-4AE7-9161-5F3C6269463E}"/>
               </a:ext>
             </a:extLst>
           </p:cNvPr>
@@ -900,7 +903,7 @@
           <p:cNvPr id="6" name="Номер слайда 5">
             <a:extLst>
               <a:ext uri="{FF2B5EF4-FFF2-40B4-BE49-F238E27FC236}">
-                <a16:creationId xmlns:a16="http://schemas.microsoft.com/office/drawing/2014/main" id="{E93D0EFE-456D-4A84-B03A-816DED360E5E}"/>
+                <a16:creationId xmlns:a16="http://schemas.microsoft.com/office/drawing/2014/main" xmlns="" id="{E93D0EFE-456D-4A84-B03A-816DED360E5E}"/>
               </a:ext>
             </a:extLst>
           </p:cNvPr>
@@ -959,7 +962,7 @@
           <p:cNvPr id="2" name="Заголовок 1">
             <a:extLst>
               <a:ext uri="{FF2B5EF4-FFF2-40B4-BE49-F238E27FC236}">
-                <a16:creationId xmlns:a16="http://schemas.microsoft.com/office/drawing/2014/main" id="{641F6B47-C155-407F-A086-599E23BAB45B}"/>
+                <a16:creationId xmlns:a16="http://schemas.microsoft.com/office/drawing/2014/main" xmlns="" id="{641F6B47-C155-407F-A086-599E23BAB45B}"/>
               </a:ext>
             </a:extLst>
           </p:cNvPr>
@@ -996,7 +999,7 @@
           <p:cNvPr id="3" name="Текст 2">
             <a:extLst>
               <a:ext uri="{FF2B5EF4-FFF2-40B4-BE49-F238E27FC236}">
-                <a16:creationId xmlns:a16="http://schemas.microsoft.com/office/drawing/2014/main" id="{66F64E51-059C-48FB-A56E-6DB044B5C093}"/>
+                <a16:creationId xmlns:a16="http://schemas.microsoft.com/office/drawing/2014/main" xmlns="" id="{66F64E51-059C-48FB-A56E-6DB044B5C093}"/>
               </a:ext>
             </a:extLst>
           </p:cNvPr>
@@ -1121,7 +1124,7 @@
           <p:cNvPr id="4" name="Дата 3">
             <a:extLst>
               <a:ext uri="{FF2B5EF4-FFF2-40B4-BE49-F238E27FC236}">
-                <a16:creationId xmlns:a16="http://schemas.microsoft.com/office/drawing/2014/main" id="{F5584A6E-7D59-4986-AE20-57635E5305D6}"/>
+                <a16:creationId xmlns:a16="http://schemas.microsoft.com/office/drawing/2014/main" xmlns="" id="{F5584A6E-7D59-4986-AE20-57635E5305D6}"/>
               </a:ext>
             </a:extLst>
           </p:cNvPr>
@@ -1139,7 +1142,7 @@
           <a:p>
             <a:fld id="{2475D37A-AD5B-460F-A668-E8C43A4C6548}" type="datetimeFigureOut">
               <a:rPr lang="ru-RU" smtClean="0"/>
-              <a:t>13.02.2021</a:t>
+              <a:t>19.02.2021</a:t>
             </a:fld>
             <a:endParaRPr lang="ru-RU"/>
           </a:p>
@@ -1150,7 +1153,7 @@
           <p:cNvPr id="5" name="Нижний колонтитул 4">
             <a:extLst>
               <a:ext uri="{FF2B5EF4-FFF2-40B4-BE49-F238E27FC236}">
-                <a16:creationId xmlns:a16="http://schemas.microsoft.com/office/drawing/2014/main" id="{6323C1B8-AE6C-467D-A51D-3C810DD67342}"/>
+                <a16:creationId xmlns:a16="http://schemas.microsoft.com/office/drawing/2014/main" xmlns="" id="{6323C1B8-AE6C-467D-A51D-3C810DD67342}"/>
               </a:ext>
             </a:extLst>
           </p:cNvPr>
@@ -1175,7 +1178,7 @@
           <p:cNvPr id="6" name="Номер слайда 5">
             <a:extLst>
               <a:ext uri="{FF2B5EF4-FFF2-40B4-BE49-F238E27FC236}">
-                <a16:creationId xmlns:a16="http://schemas.microsoft.com/office/drawing/2014/main" id="{A11EDDD3-7905-4E88-9B05-1B782A19ADD8}"/>
+                <a16:creationId xmlns:a16="http://schemas.microsoft.com/office/drawing/2014/main" xmlns="" id="{A11EDDD3-7905-4E88-9B05-1B782A19ADD8}"/>
               </a:ext>
             </a:extLst>
           </p:cNvPr>
@@ -1234,7 +1237,7 @@
           <p:cNvPr id="2" name="Заголовок 1">
             <a:extLst>
               <a:ext uri="{FF2B5EF4-FFF2-40B4-BE49-F238E27FC236}">
-                <a16:creationId xmlns:a16="http://schemas.microsoft.com/office/drawing/2014/main" id="{B6237CDB-8826-4D2C-BB55-A7751AC498E9}"/>
+                <a16:creationId xmlns:a16="http://schemas.microsoft.com/office/drawing/2014/main" xmlns="" id="{B6237CDB-8826-4D2C-BB55-A7751AC498E9}"/>
               </a:ext>
             </a:extLst>
           </p:cNvPr>
@@ -1262,7 +1265,7 @@
           <p:cNvPr id="3" name="Объект 2">
             <a:extLst>
               <a:ext uri="{FF2B5EF4-FFF2-40B4-BE49-F238E27FC236}">
-                <a16:creationId xmlns:a16="http://schemas.microsoft.com/office/drawing/2014/main" id="{16E3A2B2-A753-4E94-9536-D9DF604B6462}"/>
+                <a16:creationId xmlns:a16="http://schemas.microsoft.com/office/drawing/2014/main" xmlns="" id="{16E3A2B2-A753-4E94-9536-D9DF604B6462}"/>
               </a:ext>
             </a:extLst>
           </p:cNvPr>
@@ -1324,7 +1327,7 @@
           <p:cNvPr id="4" name="Объект 3">
             <a:extLst>
               <a:ext uri="{FF2B5EF4-FFF2-40B4-BE49-F238E27FC236}">
-                <a16:creationId xmlns:a16="http://schemas.microsoft.com/office/drawing/2014/main" id="{70FA4E07-72F8-40FF-9D95-567942B7B302}"/>
+                <a16:creationId xmlns:a16="http://schemas.microsoft.com/office/drawing/2014/main" xmlns="" id="{70FA4E07-72F8-40FF-9D95-567942B7B302}"/>
               </a:ext>
             </a:extLst>
           </p:cNvPr>
@@ -1386,7 +1389,7 @@
           <p:cNvPr id="5" name="Дата 4">
             <a:extLst>
               <a:ext uri="{FF2B5EF4-FFF2-40B4-BE49-F238E27FC236}">
-                <a16:creationId xmlns:a16="http://schemas.microsoft.com/office/drawing/2014/main" id="{13CF65A9-1D00-4212-82C0-623550E716F5}"/>
+                <a16:creationId xmlns:a16="http://schemas.microsoft.com/office/drawing/2014/main" xmlns="" id="{13CF65A9-1D00-4212-82C0-623550E716F5}"/>
               </a:ext>
             </a:extLst>
           </p:cNvPr>
@@ -1404,7 +1407,7 @@
           <a:p>
             <a:fld id="{2475D37A-AD5B-460F-A668-E8C43A4C6548}" type="datetimeFigureOut">
               <a:rPr lang="ru-RU" smtClean="0"/>
-              <a:t>13.02.2021</a:t>
+              <a:t>19.02.2021</a:t>
             </a:fld>
             <a:endParaRPr lang="ru-RU"/>
           </a:p>
@@ -1415,7 +1418,7 @@
           <p:cNvPr id="6" name="Нижний колонтитул 5">
             <a:extLst>
               <a:ext uri="{FF2B5EF4-FFF2-40B4-BE49-F238E27FC236}">
-                <a16:creationId xmlns:a16="http://schemas.microsoft.com/office/drawing/2014/main" id="{62F390B5-3363-4DD9-989E-1773A61419FF}"/>
+                <a16:creationId xmlns:a16="http://schemas.microsoft.com/office/drawing/2014/main" xmlns="" id="{62F390B5-3363-4DD9-989E-1773A61419FF}"/>
               </a:ext>
             </a:extLst>
           </p:cNvPr>
@@ -1440,7 +1443,7 @@
           <p:cNvPr id="7" name="Номер слайда 6">
             <a:extLst>
               <a:ext uri="{FF2B5EF4-FFF2-40B4-BE49-F238E27FC236}">
-                <a16:creationId xmlns:a16="http://schemas.microsoft.com/office/drawing/2014/main" id="{8D2FE748-6860-4739-A7EC-5C7FC259C3A3}"/>
+                <a16:creationId xmlns:a16="http://schemas.microsoft.com/office/drawing/2014/main" xmlns="" id="{8D2FE748-6860-4739-A7EC-5C7FC259C3A3}"/>
               </a:ext>
             </a:extLst>
           </p:cNvPr>
@@ -1499,7 +1502,7 @@
           <p:cNvPr id="2" name="Заголовок 1">
             <a:extLst>
               <a:ext uri="{FF2B5EF4-FFF2-40B4-BE49-F238E27FC236}">
-                <a16:creationId xmlns:a16="http://schemas.microsoft.com/office/drawing/2014/main" id="{C5F67FDC-C605-4CF5-B155-35ED07A5DC9F}"/>
+                <a16:creationId xmlns:a16="http://schemas.microsoft.com/office/drawing/2014/main" xmlns="" id="{C5F67FDC-C605-4CF5-B155-35ED07A5DC9F}"/>
               </a:ext>
             </a:extLst>
           </p:cNvPr>
@@ -1532,7 +1535,7 @@
           <p:cNvPr id="3" name="Текст 2">
             <a:extLst>
               <a:ext uri="{FF2B5EF4-FFF2-40B4-BE49-F238E27FC236}">
-                <a16:creationId xmlns:a16="http://schemas.microsoft.com/office/drawing/2014/main" id="{A6BCDD1C-EB30-4371-AAE8-DCE875721231}"/>
+                <a16:creationId xmlns:a16="http://schemas.microsoft.com/office/drawing/2014/main" xmlns="" id="{A6BCDD1C-EB30-4371-AAE8-DCE875721231}"/>
               </a:ext>
             </a:extLst>
           </p:cNvPr>
@@ -1603,7 +1606,7 @@
           <p:cNvPr id="4" name="Объект 3">
             <a:extLst>
               <a:ext uri="{FF2B5EF4-FFF2-40B4-BE49-F238E27FC236}">
-                <a16:creationId xmlns:a16="http://schemas.microsoft.com/office/drawing/2014/main" id="{BFB9C0EE-1A70-4349-A8DA-B512460338A2}"/>
+                <a16:creationId xmlns:a16="http://schemas.microsoft.com/office/drawing/2014/main" xmlns="" id="{BFB9C0EE-1A70-4349-A8DA-B512460338A2}"/>
               </a:ext>
             </a:extLst>
           </p:cNvPr>
@@ -1665,7 +1668,7 @@
           <p:cNvPr id="5" name="Текст 4">
             <a:extLst>
               <a:ext uri="{FF2B5EF4-FFF2-40B4-BE49-F238E27FC236}">
-                <a16:creationId xmlns:a16="http://schemas.microsoft.com/office/drawing/2014/main" id="{6A0B95E3-5C08-4897-A565-E497183C87BF}"/>
+                <a16:creationId xmlns:a16="http://schemas.microsoft.com/office/drawing/2014/main" xmlns="" id="{6A0B95E3-5C08-4897-A565-E497183C87BF}"/>
               </a:ext>
             </a:extLst>
           </p:cNvPr>
@@ -1736,7 +1739,7 @@
           <p:cNvPr id="6" name="Объект 5">
             <a:extLst>
               <a:ext uri="{FF2B5EF4-FFF2-40B4-BE49-F238E27FC236}">
-                <a16:creationId xmlns:a16="http://schemas.microsoft.com/office/drawing/2014/main" id="{BD8F711E-99E2-4623-BB11-A5442BC55F38}"/>
+                <a16:creationId xmlns:a16="http://schemas.microsoft.com/office/drawing/2014/main" xmlns="" id="{BD8F711E-99E2-4623-BB11-A5442BC55F38}"/>
               </a:ext>
             </a:extLst>
           </p:cNvPr>
@@ -1798,7 +1801,7 @@
           <p:cNvPr id="7" name="Дата 6">
             <a:extLst>
               <a:ext uri="{FF2B5EF4-FFF2-40B4-BE49-F238E27FC236}">
-                <a16:creationId xmlns:a16="http://schemas.microsoft.com/office/drawing/2014/main" id="{CED9C65E-3B59-4DD2-AA3D-4486D8426A9A}"/>
+                <a16:creationId xmlns:a16="http://schemas.microsoft.com/office/drawing/2014/main" xmlns="" id="{CED9C65E-3B59-4DD2-AA3D-4486D8426A9A}"/>
               </a:ext>
             </a:extLst>
           </p:cNvPr>
@@ -1816,7 +1819,7 @@
           <a:p>
             <a:fld id="{2475D37A-AD5B-460F-A668-E8C43A4C6548}" type="datetimeFigureOut">
               <a:rPr lang="ru-RU" smtClean="0"/>
-              <a:t>13.02.2021</a:t>
+              <a:t>19.02.2021</a:t>
             </a:fld>
             <a:endParaRPr lang="ru-RU"/>
           </a:p>
@@ -1827,7 +1830,7 @@
           <p:cNvPr id="8" name="Нижний колонтитул 7">
             <a:extLst>
               <a:ext uri="{FF2B5EF4-FFF2-40B4-BE49-F238E27FC236}">
-                <a16:creationId xmlns:a16="http://schemas.microsoft.com/office/drawing/2014/main" id="{E7917468-9CD1-4D4D-9408-11D641CD0744}"/>
+                <a16:creationId xmlns:a16="http://schemas.microsoft.com/office/drawing/2014/main" xmlns="" id="{E7917468-9CD1-4D4D-9408-11D641CD0744}"/>
               </a:ext>
             </a:extLst>
           </p:cNvPr>
@@ -1852,7 +1855,7 @@
           <p:cNvPr id="9" name="Номер слайда 8">
             <a:extLst>
               <a:ext uri="{FF2B5EF4-FFF2-40B4-BE49-F238E27FC236}">
-                <a16:creationId xmlns:a16="http://schemas.microsoft.com/office/drawing/2014/main" id="{45632863-EAF9-4C38-9E57-8D2063C70499}"/>
+                <a16:creationId xmlns:a16="http://schemas.microsoft.com/office/drawing/2014/main" xmlns="" id="{45632863-EAF9-4C38-9E57-8D2063C70499}"/>
               </a:ext>
             </a:extLst>
           </p:cNvPr>
@@ -1911,7 +1914,7 @@
           <p:cNvPr id="2" name="Заголовок 1">
             <a:extLst>
               <a:ext uri="{FF2B5EF4-FFF2-40B4-BE49-F238E27FC236}">
-                <a16:creationId xmlns:a16="http://schemas.microsoft.com/office/drawing/2014/main" id="{A028CDA2-B57A-4B47-A7D7-9142E21DF702}"/>
+                <a16:creationId xmlns:a16="http://schemas.microsoft.com/office/drawing/2014/main" xmlns="" id="{A028CDA2-B57A-4B47-A7D7-9142E21DF702}"/>
               </a:ext>
             </a:extLst>
           </p:cNvPr>
@@ -1939,7 +1942,7 @@
           <p:cNvPr id="3" name="Дата 2">
             <a:extLst>
               <a:ext uri="{FF2B5EF4-FFF2-40B4-BE49-F238E27FC236}">
-                <a16:creationId xmlns:a16="http://schemas.microsoft.com/office/drawing/2014/main" id="{A98125C6-33A0-4A15-9A1F-12C485E75FBD}"/>
+                <a16:creationId xmlns:a16="http://schemas.microsoft.com/office/drawing/2014/main" xmlns="" id="{A98125C6-33A0-4A15-9A1F-12C485E75FBD}"/>
               </a:ext>
             </a:extLst>
           </p:cNvPr>
@@ -1957,7 +1960,7 @@
           <a:p>
             <a:fld id="{2475D37A-AD5B-460F-A668-E8C43A4C6548}" type="datetimeFigureOut">
               <a:rPr lang="ru-RU" smtClean="0"/>
-              <a:t>13.02.2021</a:t>
+              <a:t>19.02.2021</a:t>
             </a:fld>
             <a:endParaRPr lang="ru-RU"/>
           </a:p>
@@ -1968,7 +1971,7 @@
           <p:cNvPr id="4" name="Нижний колонтитул 3">
             <a:extLst>
               <a:ext uri="{FF2B5EF4-FFF2-40B4-BE49-F238E27FC236}">
-                <a16:creationId xmlns:a16="http://schemas.microsoft.com/office/drawing/2014/main" id="{0C36F829-F604-4892-98D6-070A0247F94D}"/>
+                <a16:creationId xmlns:a16="http://schemas.microsoft.com/office/drawing/2014/main" xmlns="" id="{0C36F829-F604-4892-98D6-070A0247F94D}"/>
               </a:ext>
             </a:extLst>
           </p:cNvPr>
@@ -1993,7 +1996,7 @@
           <p:cNvPr id="5" name="Номер слайда 4">
             <a:extLst>
               <a:ext uri="{FF2B5EF4-FFF2-40B4-BE49-F238E27FC236}">
-                <a16:creationId xmlns:a16="http://schemas.microsoft.com/office/drawing/2014/main" id="{94F3A67E-6741-4CF2-B97E-BA5E6B910BAA}"/>
+                <a16:creationId xmlns:a16="http://schemas.microsoft.com/office/drawing/2014/main" xmlns="" id="{94F3A67E-6741-4CF2-B97E-BA5E6B910BAA}"/>
               </a:ext>
             </a:extLst>
           </p:cNvPr>
@@ -2052,7 +2055,7 @@
           <p:cNvPr id="2" name="Дата 1">
             <a:extLst>
               <a:ext uri="{FF2B5EF4-FFF2-40B4-BE49-F238E27FC236}">
-                <a16:creationId xmlns:a16="http://schemas.microsoft.com/office/drawing/2014/main" id="{64D828DD-B072-4A8C-B3EB-EAB1FEB944E6}"/>
+                <a16:creationId xmlns:a16="http://schemas.microsoft.com/office/drawing/2014/main" xmlns="" id="{64D828DD-B072-4A8C-B3EB-EAB1FEB944E6}"/>
               </a:ext>
             </a:extLst>
           </p:cNvPr>
@@ -2070,7 +2073,7 @@
           <a:p>
             <a:fld id="{2475D37A-AD5B-460F-A668-E8C43A4C6548}" type="datetimeFigureOut">
               <a:rPr lang="ru-RU" smtClean="0"/>
-              <a:t>13.02.2021</a:t>
+              <a:t>19.02.2021</a:t>
             </a:fld>
             <a:endParaRPr lang="ru-RU"/>
           </a:p>
@@ -2081,7 +2084,7 @@
           <p:cNvPr id="3" name="Нижний колонтитул 2">
             <a:extLst>
               <a:ext uri="{FF2B5EF4-FFF2-40B4-BE49-F238E27FC236}">
-                <a16:creationId xmlns:a16="http://schemas.microsoft.com/office/drawing/2014/main" id="{F6A93449-4BE2-49FB-A9DB-B5BAD0B3B9B6}"/>
+                <a16:creationId xmlns:a16="http://schemas.microsoft.com/office/drawing/2014/main" xmlns="" id="{F6A93449-4BE2-49FB-A9DB-B5BAD0B3B9B6}"/>
               </a:ext>
             </a:extLst>
           </p:cNvPr>
@@ -2106,7 +2109,7 @@
           <p:cNvPr id="4" name="Номер слайда 3">
             <a:extLst>
               <a:ext uri="{FF2B5EF4-FFF2-40B4-BE49-F238E27FC236}">
-                <a16:creationId xmlns:a16="http://schemas.microsoft.com/office/drawing/2014/main" id="{64AA0A98-B970-49D5-A3A7-C4BE455B6C19}"/>
+                <a16:creationId xmlns:a16="http://schemas.microsoft.com/office/drawing/2014/main" xmlns="" id="{64AA0A98-B970-49D5-A3A7-C4BE455B6C19}"/>
               </a:ext>
             </a:extLst>
           </p:cNvPr>
@@ -2165,7 +2168,7 @@
           <p:cNvPr id="2" name="Заголовок 1">
             <a:extLst>
               <a:ext uri="{FF2B5EF4-FFF2-40B4-BE49-F238E27FC236}">
-                <a16:creationId xmlns:a16="http://schemas.microsoft.com/office/drawing/2014/main" id="{D88BE134-2FFF-4D39-A751-63CEC0FC11E5}"/>
+                <a16:creationId xmlns:a16="http://schemas.microsoft.com/office/drawing/2014/main" xmlns="" id="{D88BE134-2FFF-4D39-A751-63CEC0FC11E5}"/>
               </a:ext>
             </a:extLst>
           </p:cNvPr>
@@ -2202,7 +2205,7 @@
           <p:cNvPr id="3" name="Объект 2">
             <a:extLst>
               <a:ext uri="{FF2B5EF4-FFF2-40B4-BE49-F238E27FC236}">
-                <a16:creationId xmlns:a16="http://schemas.microsoft.com/office/drawing/2014/main" id="{F0B4CC51-9DBE-4B6B-AC93-723DE0A39A92}"/>
+                <a16:creationId xmlns:a16="http://schemas.microsoft.com/office/drawing/2014/main" xmlns="" id="{F0B4CC51-9DBE-4B6B-AC93-723DE0A39A92}"/>
               </a:ext>
             </a:extLst>
           </p:cNvPr>
@@ -2292,7 +2295,7 @@
           <p:cNvPr id="4" name="Текст 3">
             <a:extLst>
               <a:ext uri="{FF2B5EF4-FFF2-40B4-BE49-F238E27FC236}">
-                <a16:creationId xmlns:a16="http://schemas.microsoft.com/office/drawing/2014/main" id="{E01C0E9A-5AC9-46EB-B51A-5732C8A0004F}"/>
+                <a16:creationId xmlns:a16="http://schemas.microsoft.com/office/drawing/2014/main" xmlns="" id="{E01C0E9A-5AC9-46EB-B51A-5732C8A0004F}"/>
               </a:ext>
             </a:extLst>
           </p:cNvPr>
@@ -2363,7 +2366,7 @@
           <p:cNvPr id="5" name="Дата 4">
             <a:extLst>
               <a:ext uri="{FF2B5EF4-FFF2-40B4-BE49-F238E27FC236}">
-                <a16:creationId xmlns:a16="http://schemas.microsoft.com/office/drawing/2014/main" id="{AD471AD6-701A-45C8-83DF-1FC0F319A143}"/>
+                <a16:creationId xmlns:a16="http://schemas.microsoft.com/office/drawing/2014/main" xmlns="" id="{AD471AD6-701A-45C8-83DF-1FC0F319A143}"/>
               </a:ext>
             </a:extLst>
           </p:cNvPr>
@@ -2381,7 +2384,7 @@
           <a:p>
             <a:fld id="{2475D37A-AD5B-460F-A668-E8C43A4C6548}" type="datetimeFigureOut">
               <a:rPr lang="ru-RU" smtClean="0"/>
-              <a:t>13.02.2021</a:t>
+              <a:t>19.02.2021</a:t>
             </a:fld>
             <a:endParaRPr lang="ru-RU"/>
           </a:p>
@@ -2392,7 +2395,7 @@
           <p:cNvPr id="6" name="Нижний колонтитул 5">
             <a:extLst>
               <a:ext uri="{FF2B5EF4-FFF2-40B4-BE49-F238E27FC236}">
-                <a16:creationId xmlns:a16="http://schemas.microsoft.com/office/drawing/2014/main" id="{4A638A74-737A-493F-B360-17C51AB98FA3}"/>
+                <a16:creationId xmlns:a16="http://schemas.microsoft.com/office/drawing/2014/main" xmlns="" id="{4A638A74-737A-493F-B360-17C51AB98FA3}"/>
               </a:ext>
             </a:extLst>
           </p:cNvPr>
@@ -2417,7 +2420,7 @@
           <p:cNvPr id="7" name="Номер слайда 6">
             <a:extLst>
               <a:ext uri="{FF2B5EF4-FFF2-40B4-BE49-F238E27FC236}">
-                <a16:creationId xmlns:a16="http://schemas.microsoft.com/office/drawing/2014/main" id="{22D4C840-B293-473C-97C5-56D86544A5B6}"/>
+                <a16:creationId xmlns:a16="http://schemas.microsoft.com/office/drawing/2014/main" xmlns="" id="{22D4C840-B293-473C-97C5-56D86544A5B6}"/>
               </a:ext>
             </a:extLst>
           </p:cNvPr>
@@ -2476,7 +2479,7 @@
           <p:cNvPr id="2" name="Заголовок 1">
             <a:extLst>
               <a:ext uri="{FF2B5EF4-FFF2-40B4-BE49-F238E27FC236}">
-                <a16:creationId xmlns:a16="http://schemas.microsoft.com/office/drawing/2014/main" id="{2316B707-7485-4D7B-A34A-4531C9A83C45}"/>
+                <a16:creationId xmlns:a16="http://schemas.microsoft.com/office/drawing/2014/main" xmlns="" id="{2316B707-7485-4D7B-A34A-4531C9A83C45}"/>
               </a:ext>
             </a:extLst>
           </p:cNvPr>
@@ -2513,7 +2516,7 @@
           <p:cNvPr id="3" name="Рисунок 2">
             <a:extLst>
               <a:ext uri="{FF2B5EF4-FFF2-40B4-BE49-F238E27FC236}">
-                <a16:creationId xmlns:a16="http://schemas.microsoft.com/office/drawing/2014/main" id="{2676E3D3-DEEA-4661-A84B-6762CE703B9A}"/>
+                <a16:creationId xmlns:a16="http://schemas.microsoft.com/office/drawing/2014/main" xmlns="" id="{2676E3D3-DEEA-4661-A84B-6762CE703B9A}"/>
               </a:ext>
             </a:extLst>
           </p:cNvPr>
@@ -2580,7 +2583,7 @@
           <p:cNvPr id="4" name="Текст 3">
             <a:extLst>
               <a:ext uri="{FF2B5EF4-FFF2-40B4-BE49-F238E27FC236}">
-                <a16:creationId xmlns:a16="http://schemas.microsoft.com/office/drawing/2014/main" id="{43D52D0F-F2CD-4F81-BB85-6A7555CBEA2A}"/>
+                <a16:creationId xmlns:a16="http://schemas.microsoft.com/office/drawing/2014/main" xmlns="" id="{43D52D0F-F2CD-4F81-BB85-6A7555CBEA2A}"/>
               </a:ext>
             </a:extLst>
           </p:cNvPr>
@@ -2651,7 +2654,7 @@
           <p:cNvPr id="5" name="Дата 4">
             <a:extLst>
               <a:ext uri="{FF2B5EF4-FFF2-40B4-BE49-F238E27FC236}">
-                <a16:creationId xmlns:a16="http://schemas.microsoft.com/office/drawing/2014/main" id="{BDFE6ED2-933D-4C47-8700-BBEB9DB58201}"/>
+                <a16:creationId xmlns:a16="http://schemas.microsoft.com/office/drawing/2014/main" xmlns="" id="{BDFE6ED2-933D-4C47-8700-BBEB9DB58201}"/>
               </a:ext>
             </a:extLst>
           </p:cNvPr>
@@ -2669,7 +2672,7 @@
           <a:p>
             <a:fld id="{2475D37A-AD5B-460F-A668-E8C43A4C6548}" type="datetimeFigureOut">
               <a:rPr lang="ru-RU" smtClean="0"/>
-              <a:t>13.02.2021</a:t>
+              <a:t>19.02.2021</a:t>
             </a:fld>
             <a:endParaRPr lang="ru-RU"/>
           </a:p>
@@ -2680,7 +2683,7 @@
           <p:cNvPr id="6" name="Нижний колонтитул 5">
             <a:extLst>
               <a:ext uri="{FF2B5EF4-FFF2-40B4-BE49-F238E27FC236}">
-                <a16:creationId xmlns:a16="http://schemas.microsoft.com/office/drawing/2014/main" id="{408FFF08-4B13-429D-A73C-8B58181ED4BE}"/>
+                <a16:creationId xmlns:a16="http://schemas.microsoft.com/office/drawing/2014/main" xmlns="" id="{408FFF08-4B13-429D-A73C-8B58181ED4BE}"/>
               </a:ext>
             </a:extLst>
           </p:cNvPr>
@@ -2705,7 +2708,7 @@
           <p:cNvPr id="7" name="Номер слайда 6">
             <a:extLst>
               <a:ext uri="{FF2B5EF4-FFF2-40B4-BE49-F238E27FC236}">
-                <a16:creationId xmlns:a16="http://schemas.microsoft.com/office/drawing/2014/main" id="{7BEC885B-31BC-467A-941C-DA2FC1BD9467}"/>
+                <a16:creationId xmlns:a16="http://schemas.microsoft.com/office/drawing/2014/main" xmlns="" id="{7BEC885B-31BC-467A-941C-DA2FC1BD9467}"/>
               </a:ext>
             </a:extLst>
           </p:cNvPr>
@@ -2775,7 +2778,7 @@
           <p:cNvPr id="2" name="Заголовок 1">
             <a:extLst>
               <a:ext uri="{FF2B5EF4-FFF2-40B4-BE49-F238E27FC236}">
-                <a16:creationId xmlns:a16="http://schemas.microsoft.com/office/drawing/2014/main" id="{6B4FC021-D4D3-460F-A66C-D0C388107B4D}"/>
+                <a16:creationId xmlns:a16="http://schemas.microsoft.com/office/drawing/2014/main" xmlns="" id="{6B4FC021-D4D3-460F-A66C-D0C388107B4D}"/>
               </a:ext>
             </a:extLst>
           </p:cNvPr>
@@ -2813,7 +2816,7 @@
           <p:cNvPr id="3" name="Текст 2">
             <a:extLst>
               <a:ext uri="{FF2B5EF4-FFF2-40B4-BE49-F238E27FC236}">
-                <a16:creationId xmlns:a16="http://schemas.microsoft.com/office/drawing/2014/main" id="{3678E9BF-BFFC-483C-A502-AD7BDEDB92A4}"/>
+                <a16:creationId xmlns:a16="http://schemas.microsoft.com/office/drawing/2014/main" xmlns="" id="{3678E9BF-BFFC-483C-A502-AD7BDEDB92A4}"/>
               </a:ext>
             </a:extLst>
           </p:cNvPr>
@@ -2880,7 +2883,7 @@
           <p:cNvPr id="4" name="Дата 3">
             <a:extLst>
               <a:ext uri="{FF2B5EF4-FFF2-40B4-BE49-F238E27FC236}">
-                <a16:creationId xmlns:a16="http://schemas.microsoft.com/office/drawing/2014/main" id="{87064BC3-A5E6-4501-ABD3-5B9D4BB2508E}"/>
+                <a16:creationId xmlns:a16="http://schemas.microsoft.com/office/drawing/2014/main" xmlns="" id="{87064BC3-A5E6-4501-ABD3-5B9D4BB2508E}"/>
               </a:ext>
             </a:extLst>
           </p:cNvPr>
@@ -2916,7 +2919,7 @@
           <a:p>
             <a:fld id="{2475D37A-AD5B-460F-A668-E8C43A4C6548}" type="datetimeFigureOut">
               <a:rPr lang="ru-RU" smtClean="0"/>
-              <a:t>13.02.2021</a:t>
+              <a:t>19.02.2021</a:t>
             </a:fld>
             <a:endParaRPr lang="ru-RU"/>
           </a:p>
@@ -2927,7 +2930,7 @@
           <p:cNvPr id="5" name="Нижний колонтитул 4">
             <a:extLst>
               <a:ext uri="{FF2B5EF4-FFF2-40B4-BE49-F238E27FC236}">
-                <a16:creationId xmlns:a16="http://schemas.microsoft.com/office/drawing/2014/main" id="{217E1670-BCB6-459B-916A-CF1182074FAA}"/>
+                <a16:creationId xmlns:a16="http://schemas.microsoft.com/office/drawing/2014/main" xmlns="" id="{217E1670-BCB6-459B-916A-CF1182074FAA}"/>
               </a:ext>
             </a:extLst>
           </p:cNvPr>
@@ -2970,7 +2973,7 @@
           <p:cNvPr id="6" name="Номер слайда 5">
             <a:extLst>
               <a:ext uri="{FF2B5EF4-FFF2-40B4-BE49-F238E27FC236}">
-                <a16:creationId xmlns:a16="http://schemas.microsoft.com/office/drawing/2014/main" id="{3C0231B5-D168-44FA-8A20-548900F3B8DC}"/>
+                <a16:creationId xmlns:a16="http://schemas.microsoft.com/office/drawing/2014/main" xmlns="" id="{3C0231B5-D168-44FA-8A20-548900F3B8DC}"/>
               </a:ext>
             </a:extLst>
           </p:cNvPr>
@@ -3338,7 +3341,7 @@
           <p:cNvPr id="5" name="Рисунок 4">
             <a:extLst>
               <a:ext uri="{FF2B5EF4-FFF2-40B4-BE49-F238E27FC236}">
-                <a16:creationId xmlns:a16="http://schemas.microsoft.com/office/drawing/2014/main" id="{38ABD55C-5995-4C9E-9314-34EBD36FAFA2}"/>
+                <a16:creationId xmlns:a16="http://schemas.microsoft.com/office/drawing/2014/main" xmlns="" id="{38ABD55C-5995-4C9E-9314-34EBD36FAFA2}"/>
               </a:ext>
             </a:extLst>
           </p:cNvPr>
@@ -3374,7 +3377,7 @@
           <p:cNvPr id="6" name="TextBox 5">
             <a:extLst>
               <a:ext uri="{FF2B5EF4-FFF2-40B4-BE49-F238E27FC236}">
-                <a16:creationId xmlns:a16="http://schemas.microsoft.com/office/drawing/2014/main" id="{6EC732B3-6EA1-429C-83A0-424BE306D57F}"/>
+                <a16:creationId xmlns:a16="http://schemas.microsoft.com/office/drawing/2014/main" xmlns="" id="{6EC732B3-6EA1-429C-83A0-424BE306D57F}"/>
               </a:ext>
             </a:extLst>
           </p:cNvPr>
@@ -3456,7 +3459,7 @@
           <p:cNvPr id="7" name="TextBox 6">
             <a:extLst>
               <a:ext uri="{FF2B5EF4-FFF2-40B4-BE49-F238E27FC236}">
-                <a16:creationId xmlns:a16="http://schemas.microsoft.com/office/drawing/2014/main" id="{CE4E76BB-338E-4D3B-90DE-4CD644543C86}"/>
+                <a16:creationId xmlns:a16="http://schemas.microsoft.com/office/drawing/2014/main" xmlns="" id="{CE4E76BB-338E-4D3B-90DE-4CD644543C86}"/>
               </a:ext>
             </a:extLst>
           </p:cNvPr>
@@ -3497,6 +3500,114 @@
     <p:extLst>
       <p:ext uri="{BB962C8B-B14F-4D97-AF65-F5344CB8AC3E}">
         <p14:creationId xmlns:p14="http://schemas.microsoft.com/office/powerpoint/2010/main" val="677563578"/>
+      </p:ext>
+    </p:extLst>
+  </p:cSld>
+  <p:clrMapOvr>
+    <a:masterClrMapping/>
+  </p:clrMapOvr>
+</p:sld>
+</file>
+
+<file path=ppt/slides/slide10.xml><?xml version="1.0" encoding="utf-8"?>
+<p:sld xmlns:a="http://schemas.openxmlformats.org/drawingml/2006/main" xmlns:r="http://schemas.openxmlformats.org/officeDocument/2006/relationships" xmlns:p="http://schemas.openxmlformats.org/presentationml/2006/main">
+  <p:cSld>
+    <p:spTree>
+      <p:nvGrpSpPr>
+        <p:cNvPr id="1" name=""/>
+        <p:cNvGrpSpPr/>
+        <p:nvPr/>
+      </p:nvGrpSpPr>
+      <p:grpSpPr>
+        <a:xfrm>
+          <a:off x="0" y="0"/>
+          <a:ext cx="0" cy="0"/>
+          <a:chOff x="0" y="0"/>
+          <a:chExt cx="0" cy="0"/>
+        </a:xfrm>
+      </p:grpSpPr>
+      <p:sp>
+        <p:nvSpPr>
+          <p:cNvPr id="2" name="Заголовок 1"/>
+          <p:cNvSpPr>
+            <a:spLocks noGrp="1"/>
+          </p:cNvSpPr>
+          <p:nvPr>
+            <p:ph type="title"/>
+          </p:nvPr>
+        </p:nvSpPr>
+        <p:spPr/>
+        <p:txBody>
+          <a:bodyPr/>
+          <a:lstStyle/>
+          <a:p>
+            <a:r>
+              <a:rPr lang="ru-RU" dirty="0" smtClean="0"/>
+              <a:t>СПАСИБО ЗА ВНИМАНИЕ!</a:t>
+            </a:r>
+            <a:endParaRPr lang="ru-RU" dirty="0"/>
+          </a:p>
+        </p:txBody>
+      </p:sp>
+      <p:sp>
+        <p:nvSpPr>
+          <p:cNvPr id="3" name="Объект 2"/>
+          <p:cNvSpPr>
+            <a:spLocks noGrp="1"/>
+          </p:cNvSpPr>
+          <p:nvPr>
+            <p:ph idx="1"/>
+          </p:nvPr>
+        </p:nvSpPr>
+        <p:spPr/>
+        <p:txBody>
+          <a:bodyPr/>
+          <a:lstStyle/>
+          <a:p>
+            <a:endParaRPr lang="ru-RU"/>
+          </a:p>
+        </p:txBody>
+      </p:sp>
+      <p:pic>
+        <p:nvPicPr>
+          <p:cNvPr id="4" name="Рисунок 3">
+            <a:extLst>
+              <a:ext uri="{FF2B5EF4-FFF2-40B4-BE49-F238E27FC236}">
+                <a16:creationId xmlns:a16="http://schemas.microsoft.com/office/drawing/2014/main" xmlns="" id="{6AC36D6E-A6D5-4BB8-86E7-A15F6E80A6D4}"/>
+              </a:ext>
+            </a:extLst>
+          </p:cNvPr>
+          <p:cNvPicPr>
+            <a:picLocks noChangeAspect="1"/>
+          </p:cNvPicPr>
+          <p:nvPr/>
+        </p:nvPicPr>
+        <p:blipFill>
+          <a:blip r:embed="rId2" cstate="print">
+            <a:extLst>
+              <a:ext uri="{28A0092B-C50C-407E-A947-70E740481C1C}">
+                <a14:useLocalDpi xmlns:a14="http://schemas.microsoft.com/office/drawing/2010/main" val="0"/>
+              </a:ext>
+            </a:extLst>
+          </a:blip>
+          <a:stretch>
+            <a:fillRect/>
+          </a:stretch>
+        </p:blipFill>
+        <p:spPr>
+          <a:xfrm>
+            <a:off x="10272011" y="6145293"/>
+            <a:ext cx="1802895" cy="712707"/>
+          </a:xfrm>
+          <a:prstGeom prst="rect">
+            <a:avLst/>
+          </a:prstGeom>
+        </p:spPr>
+      </p:pic>
+    </p:spTree>
+    <p:extLst>
+      <p:ext uri="{BB962C8B-B14F-4D97-AF65-F5344CB8AC3E}">
+        <p14:creationId xmlns:p14="http://schemas.microsoft.com/office/powerpoint/2010/main" val="2758929156"/>
       </p:ext>
     </p:extLst>
   </p:cSld>
@@ -3528,7 +3639,7 @@
           <p:cNvPr id="1026" name="Picture 2">
             <a:extLst>
               <a:ext uri="{FF2B5EF4-FFF2-40B4-BE49-F238E27FC236}">
-                <a16:creationId xmlns:a16="http://schemas.microsoft.com/office/drawing/2014/main" id="{7CAD2C8D-53D3-4E79-BEFF-B95028A0CE41}"/>
+                <a16:creationId xmlns:a16="http://schemas.microsoft.com/office/drawing/2014/main" xmlns="" id="{7CAD2C8D-53D3-4E79-BEFF-B95028A0CE41}"/>
               </a:ext>
             </a:extLst>
           </p:cNvPr>
@@ -3538,7 +3649,7 @@
           <p:nvPr/>
         </p:nvPicPr>
         <p:blipFill>
-          <a:blip r:embed="rId2">
+          <a:blip r:embed="rId2" cstate="print">
             <a:extLst>
               <a:ext uri="{28A0092B-C50C-407E-A947-70E740481C1C}">
                 <a14:useLocalDpi xmlns:a14="http://schemas.microsoft.com/office/drawing/2010/main" val="0"/>
@@ -3575,7 +3686,7 @@
           <p:cNvPr id="4" name="TextBox 3">
             <a:extLst>
               <a:ext uri="{FF2B5EF4-FFF2-40B4-BE49-F238E27FC236}">
-                <a16:creationId xmlns:a16="http://schemas.microsoft.com/office/drawing/2014/main" id="{F89C4113-8D6F-4844-884C-73C30C45EB16}"/>
+                <a16:creationId xmlns:a16="http://schemas.microsoft.com/office/drawing/2014/main" xmlns="" id="{F89C4113-8D6F-4844-884C-73C30C45EB16}"/>
               </a:ext>
             </a:extLst>
           </p:cNvPr>
@@ -3617,7 +3728,7 @@
           <p:cNvPr id="6" name="Прямая со стрелкой 5">
             <a:extLst>
               <a:ext uri="{FF2B5EF4-FFF2-40B4-BE49-F238E27FC236}">
-                <a16:creationId xmlns:a16="http://schemas.microsoft.com/office/drawing/2014/main" id="{BF6D6372-20E7-41D4-924B-414915472EBC}"/>
+                <a16:creationId xmlns:a16="http://schemas.microsoft.com/office/drawing/2014/main" xmlns="" id="{BF6D6372-20E7-41D4-924B-414915472EBC}"/>
               </a:ext>
             </a:extLst>
           </p:cNvPr>
@@ -3656,7 +3767,7 @@
           <p:cNvPr id="8" name="Picture 2">
             <a:extLst>
               <a:ext uri="{FF2B5EF4-FFF2-40B4-BE49-F238E27FC236}">
-                <a16:creationId xmlns:a16="http://schemas.microsoft.com/office/drawing/2014/main" id="{23592A09-CB71-49F6-909D-FD949071E40A}"/>
+                <a16:creationId xmlns:a16="http://schemas.microsoft.com/office/drawing/2014/main" xmlns="" id="{23592A09-CB71-49F6-909D-FD949071E40A}"/>
               </a:ext>
             </a:extLst>
           </p:cNvPr>
@@ -3666,7 +3777,7 @@
           <p:nvPr/>
         </p:nvPicPr>
         <p:blipFill>
-          <a:blip r:embed="rId2">
+          <a:blip r:embed="rId2" cstate="print">
             <a:extLst>
               <a:ext uri="{28A0092B-C50C-407E-A947-70E740481C1C}">
                 <a14:useLocalDpi xmlns:a14="http://schemas.microsoft.com/office/drawing/2010/main" val="0"/>
@@ -3703,7 +3814,7 @@
           <p:cNvPr id="9" name="TextBox 8">
             <a:extLst>
               <a:ext uri="{FF2B5EF4-FFF2-40B4-BE49-F238E27FC236}">
-                <a16:creationId xmlns:a16="http://schemas.microsoft.com/office/drawing/2014/main" id="{70505ED7-B4F0-4F19-B9CD-8CF4CED788ED}"/>
+                <a16:creationId xmlns:a16="http://schemas.microsoft.com/office/drawing/2014/main" xmlns="" id="{70505ED7-B4F0-4F19-B9CD-8CF4CED788ED}"/>
               </a:ext>
             </a:extLst>
           </p:cNvPr>
@@ -3745,7 +3856,7 @@
           <p:cNvPr id="10" name="Прямая со стрелкой 9">
             <a:extLst>
               <a:ext uri="{FF2B5EF4-FFF2-40B4-BE49-F238E27FC236}">
-                <a16:creationId xmlns:a16="http://schemas.microsoft.com/office/drawing/2014/main" id="{23AF1CB4-AD15-4A89-96B9-0D1F218EB0B4}"/>
+                <a16:creationId xmlns:a16="http://schemas.microsoft.com/office/drawing/2014/main" xmlns="" id="{23AF1CB4-AD15-4A89-96B9-0D1F218EB0B4}"/>
               </a:ext>
             </a:extLst>
           </p:cNvPr>
@@ -3784,7 +3895,7 @@
           <p:cNvPr id="14" name="Прямая со стрелкой 13">
             <a:extLst>
               <a:ext uri="{FF2B5EF4-FFF2-40B4-BE49-F238E27FC236}">
-                <a16:creationId xmlns:a16="http://schemas.microsoft.com/office/drawing/2014/main" id="{83DE520B-0304-4F9B-9E14-53EC3A471677}"/>
+                <a16:creationId xmlns:a16="http://schemas.microsoft.com/office/drawing/2014/main" xmlns="" id="{83DE520B-0304-4F9B-9E14-53EC3A471677}"/>
               </a:ext>
             </a:extLst>
           </p:cNvPr>
@@ -3825,7 +3936,7 @@
           <p:cNvPr id="18" name="Picture 2">
             <a:extLst>
               <a:ext uri="{FF2B5EF4-FFF2-40B4-BE49-F238E27FC236}">
-                <a16:creationId xmlns:a16="http://schemas.microsoft.com/office/drawing/2014/main" id="{64DE766D-12AB-4840-9B37-D90A2B5927C9}"/>
+                <a16:creationId xmlns:a16="http://schemas.microsoft.com/office/drawing/2014/main" xmlns="" id="{64DE766D-12AB-4840-9B37-D90A2B5927C9}"/>
               </a:ext>
             </a:extLst>
           </p:cNvPr>
@@ -3835,7 +3946,7 @@
           <p:nvPr/>
         </p:nvPicPr>
         <p:blipFill>
-          <a:blip r:embed="rId2">
+          <a:blip r:embed="rId2" cstate="print">
             <a:extLst>
               <a:ext uri="{28A0092B-C50C-407E-A947-70E740481C1C}">
                 <a14:useLocalDpi xmlns:a14="http://schemas.microsoft.com/office/drawing/2010/main" val="0"/>
@@ -3872,7 +3983,7 @@
           <p:cNvPr id="19" name="Picture 2">
             <a:extLst>
               <a:ext uri="{FF2B5EF4-FFF2-40B4-BE49-F238E27FC236}">
-                <a16:creationId xmlns:a16="http://schemas.microsoft.com/office/drawing/2014/main" id="{BF87B1DA-767E-42D8-ADF6-1EFA4D195405}"/>
+                <a16:creationId xmlns:a16="http://schemas.microsoft.com/office/drawing/2014/main" xmlns="" id="{BF87B1DA-767E-42D8-ADF6-1EFA4D195405}"/>
               </a:ext>
             </a:extLst>
           </p:cNvPr>
@@ -3882,7 +3993,7 @@
           <p:nvPr/>
         </p:nvPicPr>
         <p:blipFill>
-          <a:blip r:embed="rId2">
+          <a:blip r:embed="rId2" cstate="print">
             <a:extLst>
               <a:ext uri="{28A0092B-C50C-407E-A947-70E740481C1C}">
                 <a14:useLocalDpi xmlns:a14="http://schemas.microsoft.com/office/drawing/2010/main" val="0"/>
@@ -3919,7 +4030,7 @@
           <p:cNvPr id="21" name="TextBox 20">
             <a:extLst>
               <a:ext uri="{FF2B5EF4-FFF2-40B4-BE49-F238E27FC236}">
-                <a16:creationId xmlns:a16="http://schemas.microsoft.com/office/drawing/2014/main" id="{61D2506C-78DA-47E2-94BF-2814BAEEB567}"/>
+                <a16:creationId xmlns:a16="http://schemas.microsoft.com/office/drawing/2014/main" xmlns="" id="{61D2506C-78DA-47E2-94BF-2814BAEEB567}"/>
               </a:ext>
             </a:extLst>
           </p:cNvPr>
@@ -3961,7 +4072,7 @@
           <p:cNvPr id="22" name="TextBox 21">
             <a:extLst>
               <a:ext uri="{FF2B5EF4-FFF2-40B4-BE49-F238E27FC236}">
-                <a16:creationId xmlns:a16="http://schemas.microsoft.com/office/drawing/2014/main" id="{81CBE2A8-CE85-4ED2-A997-006A263CE0DC}"/>
+                <a16:creationId xmlns:a16="http://schemas.microsoft.com/office/drawing/2014/main" xmlns="" id="{81CBE2A8-CE85-4ED2-A997-006A263CE0DC}"/>
               </a:ext>
             </a:extLst>
           </p:cNvPr>
@@ -4003,7 +4114,7 @@
           <p:cNvPr id="23" name="Прямая со стрелкой 22">
             <a:extLst>
               <a:ext uri="{FF2B5EF4-FFF2-40B4-BE49-F238E27FC236}">
-                <a16:creationId xmlns:a16="http://schemas.microsoft.com/office/drawing/2014/main" id="{A6229EF0-FCDE-4DF9-AF4C-EA117056C71D}"/>
+                <a16:creationId xmlns:a16="http://schemas.microsoft.com/office/drawing/2014/main" xmlns="" id="{A6229EF0-FCDE-4DF9-AF4C-EA117056C71D}"/>
               </a:ext>
             </a:extLst>
           </p:cNvPr>
@@ -4042,7 +4153,7 @@
           <p:cNvPr id="25" name="TextBox 24">
             <a:extLst>
               <a:ext uri="{FF2B5EF4-FFF2-40B4-BE49-F238E27FC236}">
-                <a16:creationId xmlns:a16="http://schemas.microsoft.com/office/drawing/2014/main" id="{7630E8BE-4E45-40CD-A19F-892EBA239469}"/>
+                <a16:creationId xmlns:a16="http://schemas.microsoft.com/office/drawing/2014/main" xmlns="" id="{7630E8BE-4E45-40CD-A19F-892EBA239469}"/>
               </a:ext>
             </a:extLst>
           </p:cNvPr>
@@ -4084,7 +4195,7 @@
           <p:cNvPr id="26" name="Picture 2">
             <a:extLst>
               <a:ext uri="{FF2B5EF4-FFF2-40B4-BE49-F238E27FC236}">
-                <a16:creationId xmlns:a16="http://schemas.microsoft.com/office/drawing/2014/main" id="{B46BEC09-5C30-4AD4-B593-4D854E2DFAA8}"/>
+                <a16:creationId xmlns:a16="http://schemas.microsoft.com/office/drawing/2014/main" xmlns="" id="{B46BEC09-5C30-4AD4-B593-4D854E2DFAA8}"/>
               </a:ext>
             </a:extLst>
           </p:cNvPr>
@@ -4094,7 +4205,7 @@
           <p:nvPr/>
         </p:nvPicPr>
         <p:blipFill>
-          <a:blip r:embed="rId2">
+          <a:blip r:embed="rId2" cstate="print">
             <a:extLst>
               <a:ext uri="{28A0092B-C50C-407E-A947-70E740481C1C}">
                 <a14:useLocalDpi xmlns:a14="http://schemas.microsoft.com/office/drawing/2010/main" val="0"/>
@@ -4131,7 +4242,7 @@
           <p:cNvPr id="27" name="Рисунок 26">
             <a:extLst>
               <a:ext uri="{FF2B5EF4-FFF2-40B4-BE49-F238E27FC236}">
-                <a16:creationId xmlns:a16="http://schemas.microsoft.com/office/drawing/2014/main" id="{E9D999E2-EB65-4064-985B-B24DB29A1BE7}"/>
+                <a16:creationId xmlns:a16="http://schemas.microsoft.com/office/drawing/2014/main" xmlns="" id="{E9D999E2-EB65-4064-985B-B24DB29A1BE7}"/>
               </a:ext>
             </a:extLst>
           </p:cNvPr>
@@ -4141,7 +4252,7 @@
           <p:nvPr/>
         </p:nvPicPr>
         <p:blipFill>
-          <a:blip r:embed="rId3">
+          <a:blip r:embed="rId3" cstate="print">
             <a:extLst>
               <a:ext uri="{28A0092B-C50C-407E-A947-70E740481C1C}">
                 <a14:useLocalDpi xmlns:a14="http://schemas.microsoft.com/office/drawing/2010/main" val="0"/>
@@ -4167,7 +4278,7 @@
           <p:cNvPr id="24" name="TextBox 23">
             <a:extLst>
               <a:ext uri="{FF2B5EF4-FFF2-40B4-BE49-F238E27FC236}">
-                <a16:creationId xmlns:a16="http://schemas.microsoft.com/office/drawing/2014/main" id="{76E437CF-79C7-47A6-A82F-33425E8A432C}"/>
+                <a16:creationId xmlns:a16="http://schemas.microsoft.com/office/drawing/2014/main" xmlns="" id="{76E437CF-79C7-47A6-A82F-33425E8A432C}"/>
               </a:ext>
             </a:extLst>
           </p:cNvPr>
@@ -4235,7 +4346,7 @@
           <p:cNvPr id="5" name="Рисунок 4">
             <a:extLst>
               <a:ext uri="{FF2B5EF4-FFF2-40B4-BE49-F238E27FC236}">
-                <a16:creationId xmlns:a16="http://schemas.microsoft.com/office/drawing/2014/main" id="{A72BEFC0-75E3-4FC8-A3DB-AC2927DA58DB}"/>
+                <a16:creationId xmlns:a16="http://schemas.microsoft.com/office/drawing/2014/main" xmlns="" id="{A72BEFC0-75E3-4FC8-A3DB-AC2927DA58DB}"/>
               </a:ext>
             </a:extLst>
           </p:cNvPr>
@@ -4245,7 +4356,7 @@
           <p:nvPr/>
         </p:nvPicPr>
         <p:blipFill>
-          <a:blip r:embed="rId2">
+          <a:blip r:embed="rId2" cstate="print">
             <a:extLst>
               <a:ext uri="{28A0092B-C50C-407E-A947-70E740481C1C}">
                 <a14:useLocalDpi xmlns:a14="http://schemas.microsoft.com/office/drawing/2010/main" val="0"/>
@@ -4271,7 +4382,7 @@
           <p:cNvPr id="6" name="TextBox 5">
             <a:extLst>
               <a:ext uri="{FF2B5EF4-FFF2-40B4-BE49-F238E27FC236}">
-                <a16:creationId xmlns:a16="http://schemas.microsoft.com/office/drawing/2014/main" id="{0A35B3A9-4199-488B-AAFA-5EE923D2D125}"/>
+                <a16:creationId xmlns:a16="http://schemas.microsoft.com/office/drawing/2014/main" xmlns="" id="{0A35B3A9-4199-488B-AAFA-5EE923D2D125}"/>
               </a:ext>
             </a:extLst>
           </p:cNvPr>
@@ -4316,7 +4427,7 @@
           <p:cNvPr id="8" name="Рисунок 7">
             <a:extLst>
               <a:ext uri="{FF2B5EF4-FFF2-40B4-BE49-F238E27FC236}">
-                <a16:creationId xmlns:a16="http://schemas.microsoft.com/office/drawing/2014/main" id="{7C46E3BD-6E33-42C2-AE36-3AF19FB5A983}"/>
+                <a16:creationId xmlns:a16="http://schemas.microsoft.com/office/drawing/2014/main" xmlns="" id="{7C46E3BD-6E33-42C2-AE36-3AF19FB5A983}"/>
               </a:ext>
             </a:extLst>
           </p:cNvPr>
@@ -4352,7 +4463,7 @@
           <p:cNvPr id="9" name="Прямоугольник 8">
             <a:extLst>
               <a:ext uri="{FF2B5EF4-FFF2-40B4-BE49-F238E27FC236}">
-                <a16:creationId xmlns:a16="http://schemas.microsoft.com/office/drawing/2014/main" id="{0B812BB6-A58B-4268-AC31-F78A3D941520}"/>
+                <a16:creationId xmlns:a16="http://schemas.microsoft.com/office/drawing/2014/main" xmlns="" id="{0B812BB6-A58B-4268-AC31-F78A3D941520}"/>
               </a:ext>
             </a:extLst>
           </p:cNvPr>
@@ -4401,7 +4512,7 @@
           <p:cNvPr id="10" name="TextBox 9">
             <a:extLst>
               <a:ext uri="{FF2B5EF4-FFF2-40B4-BE49-F238E27FC236}">
-                <a16:creationId xmlns:a16="http://schemas.microsoft.com/office/drawing/2014/main" id="{71E82DD6-A3D2-4730-9CF5-A3CFFAF4F11D}"/>
+                <a16:creationId xmlns:a16="http://schemas.microsoft.com/office/drawing/2014/main" xmlns="" id="{71E82DD6-A3D2-4730-9CF5-A3CFFAF4F11D}"/>
               </a:ext>
             </a:extLst>
           </p:cNvPr>
@@ -4448,7 +4559,7 @@
           <p:cNvPr id="12" name="Прямоугольник 11">
             <a:extLst>
               <a:ext uri="{FF2B5EF4-FFF2-40B4-BE49-F238E27FC236}">
-                <a16:creationId xmlns:a16="http://schemas.microsoft.com/office/drawing/2014/main" id="{76E691A3-E6DD-419C-B39F-1D95396BA2B6}"/>
+                <a16:creationId xmlns:a16="http://schemas.microsoft.com/office/drawing/2014/main" xmlns="" id="{76E691A3-E6DD-419C-B39F-1D95396BA2B6}"/>
               </a:ext>
             </a:extLst>
           </p:cNvPr>
@@ -4497,7 +4608,7 @@
           <p:cNvPr id="13" name="TextBox 12">
             <a:extLst>
               <a:ext uri="{FF2B5EF4-FFF2-40B4-BE49-F238E27FC236}">
-                <a16:creationId xmlns:a16="http://schemas.microsoft.com/office/drawing/2014/main" id="{CFC6E83C-A2F8-4E14-8032-18C3326FBCC2}"/>
+                <a16:creationId xmlns:a16="http://schemas.microsoft.com/office/drawing/2014/main" xmlns="" id="{CFC6E83C-A2F8-4E14-8032-18C3326FBCC2}"/>
               </a:ext>
             </a:extLst>
           </p:cNvPr>
@@ -4549,7 +4660,7 @@
           <p:cNvPr id="14" name="Прямоугольник 13">
             <a:extLst>
               <a:ext uri="{FF2B5EF4-FFF2-40B4-BE49-F238E27FC236}">
-                <a16:creationId xmlns:a16="http://schemas.microsoft.com/office/drawing/2014/main" id="{4A966C2D-73BE-4FEC-9D1E-89E1AD6CE5B3}"/>
+                <a16:creationId xmlns:a16="http://schemas.microsoft.com/office/drawing/2014/main" xmlns="" id="{4A966C2D-73BE-4FEC-9D1E-89E1AD6CE5B3}"/>
               </a:ext>
             </a:extLst>
           </p:cNvPr>
@@ -4598,7 +4709,7 @@
           <p:cNvPr id="15" name="TextBox 14">
             <a:extLst>
               <a:ext uri="{FF2B5EF4-FFF2-40B4-BE49-F238E27FC236}">
-                <a16:creationId xmlns:a16="http://schemas.microsoft.com/office/drawing/2014/main" id="{283E75A1-508F-46A0-A7CB-98505DBFB676}"/>
+                <a16:creationId xmlns:a16="http://schemas.microsoft.com/office/drawing/2014/main" xmlns="" id="{283E75A1-508F-46A0-A7CB-98505DBFB676}"/>
               </a:ext>
             </a:extLst>
           </p:cNvPr>
@@ -4666,7 +4777,7 @@
           <p:cNvPr id="4" name="TextBox 3">
             <a:extLst>
               <a:ext uri="{FF2B5EF4-FFF2-40B4-BE49-F238E27FC236}">
-                <a16:creationId xmlns:a16="http://schemas.microsoft.com/office/drawing/2014/main" id="{06C6A9BF-5D01-4FC2-8D5A-0ECFE8224C43}"/>
+                <a16:creationId xmlns:a16="http://schemas.microsoft.com/office/drawing/2014/main" xmlns="" id="{06C6A9BF-5D01-4FC2-8D5A-0ECFE8224C43}"/>
               </a:ext>
             </a:extLst>
           </p:cNvPr>
@@ -4711,7 +4822,7 @@
           <p:cNvPr id="5" name="Рисунок 4">
             <a:extLst>
               <a:ext uri="{FF2B5EF4-FFF2-40B4-BE49-F238E27FC236}">
-                <a16:creationId xmlns:a16="http://schemas.microsoft.com/office/drawing/2014/main" id="{CE8D89C5-3805-4DEB-B85A-EE2C6E809C82}"/>
+                <a16:creationId xmlns:a16="http://schemas.microsoft.com/office/drawing/2014/main" xmlns="" id="{CE8D89C5-3805-4DEB-B85A-EE2C6E809C82}"/>
               </a:ext>
             </a:extLst>
           </p:cNvPr>
@@ -4721,7 +4832,7 @@
           <p:nvPr/>
         </p:nvPicPr>
         <p:blipFill>
-          <a:blip r:embed="rId2">
+          <a:blip r:embed="rId2" cstate="print">
             <a:extLst>
               <a:ext uri="{28A0092B-C50C-407E-A947-70E740481C1C}">
                 <a14:useLocalDpi xmlns:a14="http://schemas.microsoft.com/office/drawing/2010/main" val="0"/>
@@ -4747,7 +4858,7 @@
           <p:cNvPr id="3074" name="Picture 2">
             <a:extLst>
               <a:ext uri="{FF2B5EF4-FFF2-40B4-BE49-F238E27FC236}">
-                <a16:creationId xmlns:a16="http://schemas.microsoft.com/office/drawing/2014/main" id="{209B82B0-CF5B-4FD4-81F2-95F89EE552FF}"/>
+                <a16:creationId xmlns:a16="http://schemas.microsoft.com/office/drawing/2014/main" xmlns="" id="{209B82B0-CF5B-4FD4-81F2-95F89EE552FF}"/>
               </a:ext>
             </a:extLst>
           </p:cNvPr>
@@ -4794,7 +4905,7 @@
           <p:cNvPr id="3076" name="Picture 4">
             <a:extLst>
               <a:ext uri="{FF2B5EF4-FFF2-40B4-BE49-F238E27FC236}">
-                <a16:creationId xmlns:a16="http://schemas.microsoft.com/office/drawing/2014/main" id="{10145894-5CD7-4F96-97D9-1DE6E2FC902E}"/>
+                <a16:creationId xmlns:a16="http://schemas.microsoft.com/office/drawing/2014/main" xmlns="" id="{10145894-5CD7-4F96-97D9-1DE6E2FC902E}"/>
               </a:ext>
             </a:extLst>
           </p:cNvPr>
@@ -4841,7 +4952,7 @@
           <p:cNvPr id="7" name="TextBox 6">
             <a:extLst>
               <a:ext uri="{FF2B5EF4-FFF2-40B4-BE49-F238E27FC236}">
-                <a16:creationId xmlns:a16="http://schemas.microsoft.com/office/drawing/2014/main" id="{F4371B91-D113-4D71-9B67-440EE608EA26}"/>
+                <a16:creationId xmlns:a16="http://schemas.microsoft.com/office/drawing/2014/main" xmlns="" id="{F4371B91-D113-4D71-9B67-440EE608EA26}"/>
               </a:ext>
             </a:extLst>
           </p:cNvPr>
@@ -4879,7 +4990,7 @@
           <p:cNvPr id="10" name="TextBox 9">
             <a:extLst>
               <a:ext uri="{FF2B5EF4-FFF2-40B4-BE49-F238E27FC236}">
-                <a16:creationId xmlns:a16="http://schemas.microsoft.com/office/drawing/2014/main" id="{E2F153AF-9709-44C0-ABF6-26257BF6CD84}"/>
+                <a16:creationId xmlns:a16="http://schemas.microsoft.com/office/drawing/2014/main" xmlns="" id="{E2F153AF-9709-44C0-ABF6-26257BF6CD84}"/>
               </a:ext>
             </a:extLst>
           </p:cNvPr>
@@ -4947,7 +5058,7 @@
           <p:cNvPr id="4" name="TextBox 3">
             <a:extLst>
               <a:ext uri="{FF2B5EF4-FFF2-40B4-BE49-F238E27FC236}">
-                <a16:creationId xmlns:a16="http://schemas.microsoft.com/office/drawing/2014/main" id="{D97C292C-D786-435E-906E-99EB52555892}"/>
+                <a16:creationId xmlns:a16="http://schemas.microsoft.com/office/drawing/2014/main" xmlns="" id="{D97C292C-D786-435E-906E-99EB52555892}"/>
               </a:ext>
             </a:extLst>
           </p:cNvPr>
@@ -4992,7 +5103,7 @@
           <p:cNvPr id="5" name="Рисунок 4">
             <a:extLst>
               <a:ext uri="{FF2B5EF4-FFF2-40B4-BE49-F238E27FC236}">
-                <a16:creationId xmlns:a16="http://schemas.microsoft.com/office/drawing/2014/main" id="{6AC36D6E-A6D5-4BB8-86E7-A15F6E80A6D4}"/>
+                <a16:creationId xmlns:a16="http://schemas.microsoft.com/office/drawing/2014/main" xmlns="" id="{6AC36D6E-A6D5-4BB8-86E7-A15F6E80A6D4}"/>
               </a:ext>
             </a:extLst>
           </p:cNvPr>
@@ -5002,7 +5113,7 @@
           <p:nvPr/>
         </p:nvPicPr>
         <p:blipFill>
-          <a:blip r:embed="rId2">
+          <a:blip r:embed="rId2" cstate="print">
             <a:extLst>
               <a:ext uri="{28A0092B-C50C-407E-A947-70E740481C1C}">
                 <a14:useLocalDpi xmlns:a14="http://schemas.microsoft.com/office/drawing/2010/main" val="0"/>
@@ -5028,7 +5139,7 @@
           <p:cNvPr id="4098" name="Picture 2">
             <a:extLst>
               <a:ext uri="{FF2B5EF4-FFF2-40B4-BE49-F238E27FC236}">
-                <a16:creationId xmlns:a16="http://schemas.microsoft.com/office/drawing/2014/main" id="{6354F441-D596-4186-A876-61B638B1EAB0}"/>
+                <a16:creationId xmlns:a16="http://schemas.microsoft.com/office/drawing/2014/main" xmlns="" id="{6354F441-D596-4186-A876-61B638B1EAB0}"/>
               </a:ext>
             </a:extLst>
           </p:cNvPr>
@@ -5075,7 +5186,7 @@
           <p:cNvPr id="7" name="Рисунок 6">
             <a:extLst>
               <a:ext uri="{FF2B5EF4-FFF2-40B4-BE49-F238E27FC236}">
-                <a16:creationId xmlns:a16="http://schemas.microsoft.com/office/drawing/2014/main" id="{C77B98C4-FA48-4047-B1B5-18BA0EFBBA93}"/>
+                <a16:creationId xmlns:a16="http://schemas.microsoft.com/office/drawing/2014/main" xmlns="" id="{C77B98C4-FA48-4047-B1B5-18BA0EFBBA93}"/>
               </a:ext>
             </a:extLst>
           </p:cNvPr>
@@ -5111,7 +5222,7 @@
           <p:cNvPr id="9" name="TextBox 8">
             <a:extLst>
               <a:ext uri="{FF2B5EF4-FFF2-40B4-BE49-F238E27FC236}">
-                <a16:creationId xmlns:a16="http://schemas.microsoft.com/office/drawing/2014/main" id="{F3645028-D7BC-4C5D-9C33-A992B4397B41}"/>
+                <a16:creationId xmlns:a16="http://schemas.microsoft.com/office/drawing/2014/main" xmlns="" id="{F3645028-D7BC-4C5D-9C33-A992B4397B41}"/>
               </a:ext>
             </a:extLst>
           </p:cNvPr>
@@ -5149,7 +5260,7 @@
           <p:cNvPr id="11" name="Рисунок 10">
             <a:extLst>
               <a:ext uri="{FF2B5EF4-FFF2-40B4-BE49-F238E27FC236}">
-                <a16:creationId xmlns:a16="http://schemas.microsoft.com/office/drawing/2014/main" id="{4BBDE996-422B-4E79-8D54-A436BAAFA91B}"/>
+                <a16:creationId xmlns:a16="http://schemas.microsoft.com/office/drawing/2014/main" xmlns="" id="{4BBDE996-422B-4E79-8D54-A436BAAFA91B}"/>
               </a:ext>
             </a:extLst>
           </p:cNvPr>
@@ -5185,7 +5296,7 @@
           <p:cNvPr id="13" name="TextBox 12">
             <a:extLst>
               <a:ext uri="{FF2B5EF4-FFF2-40B4-BE49-F238E27FC236}">
-                <a16:creationId xmlns:a16="http://schemas.microsoft.com/office/drawing/2014/main" id="{48297780-2913-44C2-B643-C1EC8D24864A}"/>
+                <a16:creationId xmlns:a16="http://schemas.microsoft.com/office/drawing/2014/main" xmlns="" id="{48297780-2913-44C2-B643-C1EC8D24864A}"/>
               </a:ext>
             </a:extLst>
           </p:cNvPr>
@@ -5223,7 +5334,7 @@
           <p:cNvPr id="14" name="Рисунок 13">
             <a:extLst>
               <a:ext uri="{FF2B5EF4-FFF2-40B4-BE49-F238E27FC236}">
-                <a16:creationId xmlns:a16="http://schemas.microsoft.com/office/drawing/2014/main" id="{E915C2D0-9B88-427A-ABB4-1283D17D594C}"/>
+                <a16:creationId xmlns:a16="http://schemas.microsoft.com/office/drawing/2014/main" xmlns="" id="{E915C2D0-9B88-427A-ABB4-1283D17D594C}"/>
               </a:ext>
             </a:extLst>
           </p:cNvPr>
@@ -5259,7 +5370,7 @@
           <p:cNvPr id="16" name="TextBox 15">
             <a:extLst>
               <a:ext uri="{FF2B5EF4-FFF2-40B4-BE49-F238E27FC236}">
-                <a16:creationId xmlns:a16="http://schemas.microsoft.com/office/drawing/2014/main" id="{DA9CAD80-10C5-45BE-9D34-1DFABFBE27D0}"/>
+                <a16:creationId xmlns:a16="http://schemas.microsoft.com/office/drawing/2014/main" xmlns="" id="{DA9CAD80-10C5-45BE-9D34-1DFABFBE27D0}"/>
               </a:ext>
             </a:extLst>
           </p:cNvPr>
@@ -5297,7 +5408,7 @@
           <p:cNvPr id="17" name="Рисунок 16">
             <a:extLst>
               <a:ext uri="{FF2B5EF4-FFF2-40B4-BE49-F238E27FC236}">
-                <a16:creationId xmlns:a16="http://schemas.microsoft.com/office/drawing/2014/main" id="{4427B3C3-0C9E-4E38-9ABE-DC5C3DD84838}"/>
+                <a16:creationId xmlns:a16="http://schemas.microsoft.com/office/drawing/2014/main" xmlns="" id="{4427B3C3-0C9E-4E38-9ABE-DC5C3DD84838}"/>
               </a:ext>
             </a:extLst>
           </p:cNvPr>
@@ -5307,7 +5418,7 @@
           <p:nvPr/>
         </p:nvPicPr>
         <p:blipFill>
-          <a:blip r:embed="rId7">
+          <a:blip r:embed="rId7" cstate="print">
             <a:extLst>
               <a:ext uri="{28A0092B-C50C-407E-A947-70E740481C1C}">
                 <a14:useLocalDpi xmlns:a14="http://schemas.microsoft.com/office/drawing/2010/main" val="0"/>
@@ -5333,7 +5444,7 @@
           <p:cNvPr id="19" name="Рисунок 18">
             <a:extLst>
               <a:ext uri="{FF2B5EF4-FFF2-40B4-BE49-F238E27FC236}">
-                <a16:creationId xmlns:a16="http://schemas.microsoft.com/office/drawing/2014/main" id="{CA22AFB0-8E80-4A2C-8472-1BA051E7E6DF}"/>
+                <a16:creationId xmlns:a16="http://schemas.microsoft.com/office/drawing/2014/main" xmlns="" id="{CA22AFB0-8E80-4A2C-8472-1BA051E7E6DF}"/>
               </a:ext>
             </a:extLst>
           </p:cNvPr>
@@ -5369,7 +5480,7 @@
           <p:cNvPr id="21" name="TextBox 20">
             <a:extLst>
               <a:ext uri="{FF2B5EF4-FFF2-40B4-BE49-F238E27FC236}">
-                <a16:creationId xmlns:a16="http://schemas.microsoft.com/office/drawing/2014/main" id="{D49D1DBE-E587-4B08-B16E-2AC94106D2D0}"/>
+                <a16:creationId xmlns:a16="http://schemas.microsoft.com/office/drawing/2014/main" xmlns="" id="{D49D1DBE-E587-4B08-B16E-2AC94106D2D0}"/>
               </a:ext>
             </a:extLst>
           </p:cNvPr>
@@ -5437,7 +5548,7 @@
           <p:cNvPr id="5122" name="Picture 2">
             <a:extLst>
               <a:ext uri="{FF2B5EF4-FFF2-40B4-BE49-F238E27FC236}">
-                <a16:creationId xmlns:a16="http://schemas.microsoft.com/office/drawing/2014/main" id="{D85FE1D1-7321-47E8-8836-E97E5A8B706D}"/>
+                <a16:creationId xmlns:a16="http://schemas.microsoft.com/office/drawing/2014/main" xmlns="" id="{D85FE1D1-7321-47E8-8836-E97E5A8B706D}"/>
               </a:ext>
             </a:extLst>
           </p:cNvPr>
@@ -5484,7 +5595,7 @@
           <p:cNvPr id="5" name="TextBox 4">
             <a:extLst>
               <a:ext uri="{FF2B5EF4-FFF2-40B4-BE49-F238E27FC236}">
-                <a16:creationId xmlns:a16="http://schemas.microsoft.com/office/drawing/2014/main" id="{7A7C5537-DE0F-4FE2-9340-48CF8038941D}"/>
+                <a16:creationId xmlns:a16="http://schemas.microsoft.com/office/drawing/2014/main" xmlns="" id="{7A7C5537-DE0F-4FE2-9340-48CF8038941D}"/>
               </a:ext>
             </a:extLst>
           </p:cNvPr>
@@ -5529,7 +5640,7 @@
           <p:cNvPr id="6" name="Рисунок 5">
             <a:extLst>
               <a:ext uri="{FF2B5EF4-FFF2-40B4-BE49-F238E27FC236}">
-                <a16:creationId xmlns:a16="http://schemas.microsoft.com/office/drawing/2014/main" id="{0BDCF42C-797B-4E16-A9B2-5DEFC6A26903}"/>
+                <a16:creationId xmlns:a16="http://schemas.microsoft.com/office/drawing/2014/main" xmlns="" id="{0BDCF42C-797B-4E16-A9B2-5DEFC6A26903}"/>
               </a:ext>
             </a:extLst>
           </p:cNvPr>
@@ -5539,7 +5650,7 @@
           <p:nvPr/>
         </p:nvPicPr>
         <p:blipFill>
-          <a:blip r:embed="rId3">
+          <a:blip r:embed="rId3" cstate="print">
             <a:extLst>
               <a:ext uri="{28A0092B-C50C-407E-A947-70E740481C1C}">
                 <a14:useLocalDpi xmlns:a14="http://schemas.microsoft.com/office/drawing/2010/main" val="0"/>
@@ -5565,7 +5676,7 @@
           <p:cNvPr id="5124" name="Picture 4">
             <a:extLst>
               <a:ext uri="{FF2B5EF4-FFF2-40B4-BE49-F238E27FC236}">
-                <a16:creationId xmlns:a16="http://schemas.microsoft.com/office/drawing/2014/main" id="{E29D6421-D8BA-4D2F-9B74-1C7C2773EFD3}"/>
+                <a16:creationId xmlns:a16="http://schemas.microsoft.com/office/drawing/2014/main" xmlns="" id="{E29D6421-D8BA-4D2F-9B74-1C7C2773EFD3}"/>
               </a:ext>
             </a:extLst>
           </p:cNvPr>
@@ -5612,7 +5723,7 @@
           <p:cNvPr id="5126" name="Picture 6">
             <a:extLst>
               <a:ext uri="{FF2B5EF4-FFF2-40B4-BE49-F238E27FC236}">
-                <a16:creationId xmlns:a16="http://schemas.microsoft.com/office/drawing/2014/main" id="{D2E8C51E-82F8-4CE0-83A9-95F4E0EA1460}"/>
+                <a16:creationId xmlns:a16="http://schemas.microsoft.com/office/drawing/2014/main" xmlns="" id="{D2E8C51E-82F8-4CE0-83A9-95F4E0EA1460}"/>
               </a:ext>
             </a:extLst>
           </p:cNvPr>
@@ -5659,7 +5770,7 @@
           <p:cNvPr id="5128" name="Picture 8">
             <a:extLst>
               <a:ext uri="{FF2B5EF4-FFF2-40B4-BE49-F238E27FC236}">
-                <a16:creationId xmlns:a16="http://schemas.microsoft.com/office/drawing/2014/main" id="{05C1D48B-B991-43F9-A9A2-BC203629B3F3}"/>
+                <a16:creationId xmlns:a16="http://schemas.microsoft.com/office/drawing/2014/main" xmlns="" id="{05C1D48B-B991-43F9-A9A2-BC203629B3F3}"/>
               </a:ext>
             </a:extLst>
           </p:cNvPr>
@@ -5706,7 +5817,7 @@
           <p:cNvPr id="5130" name="Picture 10">
             <a:extLst>
               <a:ext uri="{FF2B5EF4-FFF2-40B4-BE49-F238E27FC236}">
-                <a16:creationId xmlns:a16="http://schemas.microsoft.com/office/drawing/2014/main" id="{48079D18-B946-4057-8D52-3952242DFE2E}"/>
+                <a16:creationId xmlns:a16="http://schemas.microsoft.com/office/drawing/2014/main" xmlns="" id="{48079D18-B946-4057-8D52-3952242DFE2E}"/>
               </a:ext>
             </a:extLst>
           </p:cNvPr>
@@ -5753,7 +5864,7 @@
           <p:cNvPr id="5132" name="Picture 12">
             <a:extLst>
               <a:ext uri="{FF2B5EF4-FFF2-40B4-BE49-F238E27FC236}">
-                <a16:creationId xmlns:a16="http://schemas.microsoft.com/office/drawing/2014/main" id="{09A1F8E6-B483-4417-B4A1-6E8B19CFAA64}"/>
+                <a16:creationId xmlns:a16="http://schemas.microsoft.com/office/drawing/2014/main" xmlns="" id="{09A1F8E6-B483-4417-B4A1-6E8B19CFAA64}"/>
               </a:ext>
             </a:extLst>
           </p:cNvPr>
@@ -5830,7 +5941,7 @@
           <p:cNvPr id="4" name="Рисунок 3">
             <a:extLst>
               <a:ext uri="{FF2B5EF4-FFF2-40B4-BE49-F238E27FC236}">
-                <a16:creationId xmlns:a16="http://schemas.microsoft.com/office/drawing/2014/main" id="{2660102E-4EDF-4628-9902-AF5BD670F7A2}"/>
+                <a16:creationId xmlns:a16="http://schemas.microsoft.com/office/drawing/2014/main" xmlns="" id="{2660102E-4EDF-4628-9902-AF5BD670F7A2}"/>
               </a:ext>
             </a:extLst>
           </p:cNvPr>
@@ -5840,7 +5951,7 @@
           <p:nvPr/>
         </p:nvPicPr>
         <p:blipFill>
-          <a:blip r:embed="rId2">
+          <a:blip r:embed="rId2" cstate="print">
             <a:extLst>
               <a:ext uri="{28A0092B-C50C-407E-A947-70E740481C1C}">
                 <a14:useLocalDpi xmlns:a14="http://schemas.microsoft.com/office/drawing/2010/main" val="0"/>
@@ -5866,7 +5977,7 @@
           <p:cNvPr id="5" name="TextBox 4">
             <a:extLst>
               <a:ext uri="{FF2B5EF4-FFF2-40B4-BE49-F238E27FC236}">
-                <a16:creationId xmlns:a16="http://schemas.microsoft.com/office/drawing/2014/main" id="{5265E331-8A42-497F-AD79-8769CD893BF4}"/>
+                <a16:creationId xmlns:a16="http://schemas.microsoft.com/office/drawing/2014/main" xmlns="" id="{5265E331-8A42-497F-AD79-8769CD893BF4}"/>
               </a:ext>
             </a:extLst>
           </p:cNvPr>
@@ -5904,7 +6015,7 @@
           <p:cNvPr id="6" name="TextBox 5">
             <a:extLst>
               <a:ext uri="{FF2B5EF4-FFF2-40B4-BE49-F238E27FC236}">
-                <a16:creationId xmlns:a16="http://schemas.microsoft.com/office/drawing/2014/main" id="{5C367293-BCEA-414A-9B5C-C6DC759C9530}"/>
+                <a16:creationId xmlns:a16="http://schemas.microsoft.com/office/drawing/2014/main" xmlns="" id="{5C367293-BCEA-414A-9B5C-C6DC759C9530}"/>
               </a:ext>
             </a:extLst>
           </p:cNvPr>
@@ -5942,7 +6053,7 @@
           <p:cNvPr id="8" name="TextBox 7">
             <a:extLst>
               <a:ext uri="{FF2B5EF4-FFF2-40B4-BE49-F238E27FC236}">
-                <a16:creationId xmlns:a16="http://schemas.microsoft.com/office/drawing/2014/main" id="{AEB898F0-0FFB-4A06-B5B2-80F8FC052D1A}"/>
+                <a16:creationId xmlns:a16="http://schemas.microsoft.com/office/drawing/2014/main" xmlns="" id="{AEB898F0-0FFB-4A06-B5B2-80F8FC052D1A}"/>
               </a:ext>
             </a:extLst>
           </p:cNvPr>
@@ -5995,7 +6106,7 @@
           <p:cNvPr id="9" name="Picture 2">
             <a:extLst>
               <a:ext uri="{FF2B5EF4-FFF2-40B4-BE49-F238E27FC236}">
-                <a16:creationId xmlns:a16="http://schemas.microsoft.com/office/drawing/2014/main" id="{9EC52A9A-C3A4-4895-A22A-564E8A3AE4EC}"/>
+                <a16:creationId xmlns:a16="http://schemas.microsoft.com/office/drawing/2014/main" xmlns="" id="{9EC52A9A-C3A4-4895-A22A-564E8A3AE4EC}"/>
               </a:ext>
             </a:extLst>
           </p:cNvPr>
@@ -6005,7 +6116,7 @@
           <p:nvPr/>
         </p:nvPicPr>
         <p:blipFill>
-          <a:blip r:embed="rId3">
+          <a:blip r:embed="rId3" cstate="print">
             <a:extLst>
               <a:ext uri="{28A0092B-C50C-407E-A947-70E740481C1C}">
                 <a14:useLocalDpi xmlns:a14="http://schemas.microsoft.com/office/drawing/2010/main" val="0"/>
@@ -6042,7 +6153,7 @@
           <p:cNvPr id="10" name="Picture 2">
             <a:extLst>
               <a:ext uri="{FF2B5EF4-FFF2-40B4-BE49-F238E27FC236}">
-                <a16:creationId xmlns:a16="http://schemas.microsoft.com/office/drawing/2014/main" id="{7F53F0CB-2509-4371-8146-9BFA13C612D5}"/>
+                <a16:creationId xmlns:a16="http://schemas.microsoft.com/office/drawing/2014/main" xmlns="" id="{7F53F0CB-2509-4371-8146-9BFA13C612D5}"/>
               </a:ext>
             </a:extLst>
           </p:cNvPr>
@@ -6052,7 +6163,7 @@
           <p:nvPr/>
         </p:nvPicPr>
         <p:blipFill>
-          <a:blip r:embed="rId3">
+          <a:blip r:embed="rId3" cstate="print">
             <a:extLst>
               <a:ext uri="{28A0092B-C50C-407E-A947-70E740481C1C}">
                 <a14:useLocalDpi xmlns:a14="http://schemas.microsoft.com/office/drawing/2010/main" val="0"/>
@@ -6089,7 +6200,7 @@
           <p:cNvPr id="11" name="TextBox 10">
             <a:extLst>
               <a:ext uri="{FF2B5EF4-FFF2-40B4-BE49-F238E27FC236}">
-                <a16:creationId xmlns:a16="http://schemas.microsoft.com/office/drawing/2014/main" id="{393AE8DE-3A75-4D89-A0FA-FE8E7032B762}"/>
+                <a16:creationId xmlns:a16="http://schemas.microsoft.com/office/drawing/2014/main" xmlns="" id="{393AE8DE-3A75-4D89-A0FA-FE8E7032B762}"/>
               </a:ext>
             </a:extLst>
           </p:cNvPr>
@@ -6127,7 +6238,7 @@
           <p:cNvPr id="12" name="TextBox 11">
             <a:extLst>
               <a:ext uri="{FF2B5EF4-FFF2-40B4-BE49-F238E27FC236}">
-                <a16:creationId xmlns:a16="http://schemas.microsoft.com/office/drawing/2014/main" id="{F7210ED1-2C4F-488D-9D31-0AE069131C9A}"/>
+                <a16:creationId xmlns:a16="http://schemas.microsoft.com/office/drawing/2014/main" xmlns="" id="{F7210ED1-2C4F-488D-9D31-0AE069131C9A}"/>
               </a:ext>
             </a:extLst>
           </p:cNvPr>
@@ -6180,7 +6291,7 @@
           <p:cNvPr id="13" name="Picture 2">
             <a:extLst>
               <a:ext uri="{FF2B5EF4-FFF2-40B4-BE49-F238E27FC236}">
-                <a16:creationId xmlns:a16="http://schemas.microsoft.com/office/drawing/2014/main" id="{D4709ECA-357C-4E6D-BD8B-81DF4AAB5FBB}"/>
+                <a16:creationId xmlns:a16="http://schemas.microsoft.com/office/drawing/2014/main" xmlns="" id="{D4709ECA-357C-4E6D-BD8B-81DF4AAB5FBB}"/>
               </a:ext>
             </a:extLst>
           </p:cNvPr>
@@ -6190,7 +6301,7 @@
           <p:nvPr/>
         </p:nvPicPr>
         <p:blipFill>
-          <a:blip r:embed="rId3">
+          <a:blip r:embed="rId3" cstate="print">
             <a:extLst>
               <a:ext uri="{28A0092B-C50C-407E-A947-70E740481C1C}">
                 <a14:useLocalDpi xmlns:a14="http://schemas.microsoft.com/office/drawing/2010/main" val="0"/>
@@ -6227,7 +6338,7 @@
           <p:cNvPr id="14" name="Рисунок 13">
             <a:extLst>
               <a:ext uri="{FF2B5EF4-FFF2-40B4-BE49-F238E27FC236}">
-                <a16:creationId xmlns:a16="http://schemas.microsoft.com/office/drawing/2014/main" id="{5D1C640A-7F97-44FB-8A4B-09FC786440D2}"/>
+                <a16:creationId xmlns:a16="http://schemas.microsoft.com/office/drawing/2014/main" xmlns="" id="{5D1C640A-7F97-44FB-8A4B-09FC786440D2}"/>
               </a:ext>
             </a:extLst>
           </p:cNvPr>
@@ -6262,6 +6373,383 @@
     <p:extLst>
       <p:ext uri="{BB962C8B-B14F-4D97-AF65-F5344CB8AC3E}">
         <p14:creationId xmlns:p14="http://schemas.microsoft.com/office/powerpoint/2010/main" val="3235650035"/>
+      </p:ext>
+    </p:extLst>
+  </p:cSld>
+  <p:clrMapOvr>
+    <a:masterClrMapping/>
+  </p:clrMapOvr>
+</p:sld>
+</file>
+
+<file path=ppt/slides/slide8.xml><?xml version="1.0" encoding="utf-8"?>
+<p:sld xmlns:a="http://schemas.openxmlformats.org/drawingml/2006/main" xmlns:r="http://schemas.openxmlformats.org/officeDocument/2006/relationships" xmlns:p="http://schemas.openxmlformats.org/presentationml/2006/main">
+  <p:cSld>
+    <p:spTree>
+      <p:nvGrpSpPr>
+        <p:cNvPr id="1" name=""/>
+        <p:cNvGrpSpPr/>
+        <p:nvPr/>
+      </p:nvGrpSpPr>
+      <p:grpSpPr>
+        <a:xfrm>
+          <a:off x="0" y="0"/>
+          <a:ext cx="0" cy="0"/>
+          <a:chOff x="0" y="0"/>
+          <a:chExt cx="0" cy="0"/>
+        </a:xfrm>
+      </p:grpSpPr>
+      <p:sp>
+        <p:nvSpPr>
+          <p:cNvPr id="2" name="Заголовок 1"/>
+          <p:cNvSpPr>
+            <a:spLocks noGrp="1"/>
+          </p:cNvSpPr>
+          <p:nvPr>
+            <p:ph type="title"/>
+          </p:nvPr>
+        </p:nvSpPr>
+        <p:spPr/>
+        <p:txBody>
+          <a:bodyPr/>
+          <a:lstStyle/>
+          <a:p>
+            <a:r>
+              <a:rPr lang="ru-RU" dirty="0" smtClean="0"/>
+              <a:t>Змейка</a:t>
+            </a:r>
+            <a:endParaRPr lang="ru-RU" dirty="0"/>
+          </a:p>
+        </p:txBody>
+      </p:sp>
+      <p:sp>
+        <p:nvSpPr>
+          <p:cNvPr id="3" name="Объект 2"/>
+          <p:cNvSpPr>
+            <a:spLocks noGrp="1"/>
+          </p:cNvSpPr>
+          <p:nvPr>
+            <p:ph idx="1"/>
+          </p:nvPr>
+        </p:nvSpPr>
+        <p:spPr/>
+        <p:txBody>
+          <a:bodyPr>
+            <a:normAutofit fontScale="92500"/>
+          </a:bodyPr>
+          <a:lstStyle/>
+          <a:p>
+            <a:r>
+              <a:rPr lang="ru-RU" dirty="0"/>
+              <a:t>Реализация Змейки:</a:t>
+            </a:r>
+          </a:p>
+          <a:p>
+            <a:r>
+              <a:rPr lang="ru-RU" dirty="0"/>
+              <a:t>За клеточное после был взят экран.  Далее был создан класс </a:t>
+            </a:r>
+            <a:r>
+              <a:rPr lang="en-US" dirty="0"/>
+              <a:t>Snake</a:t>
+            </a:r>
+            <a:r>
+              <a:rPr lang="ru-RU" dirty="0"/>
+              <a:t>, в котором храниться информация о теле, положении головы змейки.</a:t>
+            </a:r>
+          </a:p>
+          <a:p>
+            <a:r>
+              <a:rPr lang="ru-RU" dirty="0"/>
+              <a:t>Для генерации еды. Был создан класс </a:t>
+            </a:r>
+            <a:r>
+              <a:rPr lang="en-US" dirty="0"/>
+              <a:t>Food</a:t>
+            </a:r>
+            <a:r>
+              <a:rPr lang="ru-RU" dirty="0"/>
+              <a:t>, в котором генерируется положение еды на клеточном поле. </a:t>
+            </a:r>
+          </a:p>
+          <a:p>
+            <a:r>
+              <a:rPr lang="ru-RU" dirty="0"/>
+              <a:t>Далее запускаются две ф-</a:t>
+            </a:r>
+            <a:r>
+              <a:rPr lang="ru-RU" dirty="0" err="1"/>
+              <a:t>ции</a:t>
+            </a:r>
+            <a:r>
+              <a:rPr lang="ru-RU" dirty="0"/>
+              <a:t> </a:t>
+            </a:r>
+            <a:r>
+              <a:rPr lang="en-US" dirty="0"/>
+              <a:t>player</a:t>
+            </a:r>
+            <a:r>
+              <a:rPr lang="ru-RU" dirty="0"/>
+              <a:t>_</a:t>
+            </a:r>
+            <a:r>
+              <a:rPr lang="en-US" dirty="0"/>
+              <a:t>one</a:t>
+            </a:r>
+            <a:r>
+              <a:rPr lang="ru-RU" dirty="0"/>
+              <a:t>() и </a:t>
+            </a:r>
+            <a:r>
+              <a:rPr lang="en-US" dirty="0"/>
+              <a:t>player</a:t>
+            </a:r>
+            <a:r>
+              <a:rPr lang="ru-RU" dirty="0"/>
+              <a:t>_</a:t>
+            </a:r>
+            <a:r>
+              <a:rPr lang="en-US" dirty="0"/>
+              <a:t>two</a:t>
+            </a:r>
+            <a:r>
+              <a:rPr lang="ru-RU" dirty="0"/>
+              <a:t>() , которые моделируют игровой процесс.</a:t>
+            </a:r>
+          </a:p>
+          <a:p>
+            <a:r>
+              <a:rPr lang="ru-RU" dirty="0"/>
+              <a:t>В конце результаты игры преобразуются во внутри игровую валюту</a:t>
+            </a:r>
+            <a:r>
+              <a:rPr lang="ru-RU" dirty="0" smtClean="0"/>
+              <a:t>( в </a:t>
+            </a:r>
+            <a:r>
+              <a:rPr lang="ru-RU" dirty="0" err="1" smtClean="0"/>
+              <a:t>пакмане</a:t>
+            </a:r>
+            <a:r>
+              <a:rPr lang="ru-RU" dirty="0" smtClean="0"/>
+              <a:t> </a:t>
+            </a:r>
+            <a:r>
+              <a:rPr lang="ru-RU" dirty="0"/>
+              <a:t>тоже самое).</a:t>
+            </a:r>
+          </a:p>
+          <a:p>
+            <a:r>
+              <a:rPr lang="ru-RU" dirty="0"/>
+              <a:t>В магазине на змейку, присутствуют 3 </a:t>
+            </a:r>
+            <a:r>
+              <a:rPr lang="ru-RU" dirty="0" err="1"/>
+              <a:t>скина</a:t>
+            </a:r>
+            <a:r>
+              <a:rPr lang="ru-RU" dirty="0"/>
+              <a:t>.</a:t>
+            </a:r>
+          </a:p>
+          <a:p>
+            <a:endParaRPr lang="ru-RU" dirty="0"/>
+          </a:p>
+        </p:txBody>
+      </p:sp>
+      <p:pic>
+        <p:nvPicPr>
+          <p:cNvPr id="4" name="Рисунок 3">
+            <a:extLst>
+              <a:ext uri="{FF2B5EF4-FFF2-40B4-BE49-F238E27FC236}">
+                <a16:creationId xmlns:a16="http://schemas.microsoft.com/office/drawing/2014/main" xmlns="" id="{6AC36D6E-A6D5-4BB8-86E7-A15F6E80A6D4}"/>
+              </a:ext>
+            </a:extLst>
+          </p:cNvPr>
+          <p:cNvPicPr>
+            <a:picLocks noChangeAspect="1"/>
+          </p:cNvPicPr>
+          <p:nvPr/>
+        </p:nvPicPr>
+        <p:blipFill>
+          <a:blip r:embed="rId2" cstate="print">
+            <a:extLst>
+              <a:ext uri="{28A0092B-C50C-407E-A947-70E740481C1C}">
+                <a14:useLocalDpi xmlns:a14="http://schemas.microsoft.com/office/drawing/2010/main" val="0"/>
+              </a:ext>
+            </a:extLst>
+          </a:blip>
+          <a:stretch>
+            <a:fillRect/>
+          </a:stretch>
+        </p:blipFill>
+        <p:spPr>
+          <a:xfrm>
+            <a:off x="10272011" y="6145293"/>
+            <a:ext cx="1802895" cy="712707"/>
+          </a:xfrm>
+          <a:prstGeom prst="rect">
+            <a:avLst/>
+          </a:prstGeom>
+        </p:spPr>
+      </p:pic>
+    </p:spTree>
+    <p:extLst>
+      <p:ext uri="{BB962C8B-B14F-4D97-AF65-F5344CB8AC3E}">
+        <p14:creationId xmlns:p14="http://schemas.microsoft.com/office/powerpoint/2010/main" val="1619391647"/>
+      </p:ext>
+    </p:extLst>
+  </p:cSld>
+  <p:clrMapOvr>
+    <a:masterClrMapping/>
+  </p:clrMapOvr>
+</p:sld>
+</file>
+
+<file path=ppt/slides/slide9.xml><?xml version="1.0" encoding="utf-8"?>
+<p:sld xmlns:a="http://schemas.openxmlformats.org/drawingml/2006/main" xmlns:r="http://schemas.openxmlformats.org/officeDocument/2006/relationships" xmlns:p="http://schemas.openxmlformats.org/presentationml/2006/main">
+  <p:cSld>
+    <p:spTree>
+      <p:nvGrpSpPr>
+        <p:cNvPr id="1" name=""/>
+        <p:cNvGrpSpPr/>
+        <p:nvPr/>
+      </p:nvGrpSpPr>
+      <p:grpSpPr>
+        <a:xfrm>
+          <a:off x="0" y="0"/>
+          <a:ext cx="0" cy="0"/>
+          <a:chOff x="0" y="0"/>
+          <a:chExt cx="0" cy="0"/>
+        </a:xfrm>
+      </p:grpSpPr>
+      <p:sp>
+        <p:nvSpPr>
+          <p:cNvPr id="2" name="Заголовок 1"/>
+          <p:cNvSpPr>
+            <a:spLocks noGrp="1"/>
+          </p:cNvSpPr>
+          <p:nvPr>
+            <p:ph type="title"/>
+          </p:nvPr>
+        </p:nvSpPr>
+        <p:spPr/>
+        <p:txBody>
+          <a:bodyPr/>
+          <a:lstStyle/>
+          <a:p>
+            <a:r>
+              <a:rPr lang="ru-RU" dirty="0" smtClean="0"/>
+              <a:t>Возможные планы на </a:t>
+            </a:r>
+            <a:r>
+              <a:rPr lang="ru-RU" dirty="0"/>
+              <a:t>будущее</a:t>
+            </a:r>
+            <a:r>
+              <a:rPr lang="ru-RU" dirty="0" smtClean="0"/>
+              <a:t>:</a:t>
+            </a:r>
+            <a:endParaRPr lang="ru-RU" dirty="0"/>
+          </a:p>
+        </p:txBody>
+      </p:sp>
+      <p:sp>
+        <p:nvSpPr>
+          <p:cNvPr id="3" name="Объект 2"/>
+          <p:cNvSpPr>
+            <a:spLocks noGrp="1"/>
+          </p:cNvSpPr>
+          <p:nvPr>
+            <p:ph idx="1"/>
+          </p:nvPr>
+        </p:nvSpPr>
+        <p:spPr/>
+        <p:txBody>
+          <a:bodyPr/>
+          <a:lstStyle/>
+          <a:p>
+            <a:r>
+              <a:rPr lang="ru-RU" dirty="0"/>
+              <a:t>-Фикс багов</a:t>
+            </a:r>
+          </a:p>
+          <a:p>
+            <a:r>
+              <a:rPr lang="ru-RU" dirty="0"/>
+              <a:t>-Добавление новых </a:t>
+            </a:r>
+            <a:r>
+              <a:rPr lang="ru-RU" dirty="0" err="1"/>
+              <a:t>скинов</a:t>
+            </a:r>
+            <a:r>
+              <a:rPr lang="ru-RU" dirty="0"/>
+              <a:t>, </a:t>
+            </a:r>
+            <a:r>
+              <a:rPr lang="ru-RU" dirty="0" err="1" smtClean="0"/>
+              <a:t>миниигр</a:t>
+            </a:r>
+            <a:endParaRPr lang="ru-RU" dirty="0"/>
+          </a:p>
+          <a:p>
+            <a:r>
+              <a:rPr lang="ru-RU" dirty="0" smtClean="0"/>
+              <a:t>-Улучшение графического интерфейса</a:t>
+            </a:r>
+          </a:p>
+          <a:p>
+            <a:r>
+              <a:rPr lang="ru-RU" dirty="0" smtClean="0"/>
+              <a:t>-Добавление сетевой игры</a:t>
+            </a:r>
+            <a:endParaRPr lang="ru-RU" dirty="0"/>
+          </a:p>
+        </p:txBody>
+      </p:sp>
+      <p:pic>
+        <p:nvPicPr>
+          <p:cNvPr id="4" name="Рисунок 3">
+            <a:extLst>
+              <a:ext uri="{FF2B5EF4-FFF2-40B4-BE49-F238E27FC236}">
+                <a16:creationId xmlns:a16="http://schemas.microsoft.com/office/drawing/2014/main" xmlns="" id="{6AC36D6E-A6D5-4BB8-86E7-A15F6E80A6D4}"/>
+              </a:ext>
+            </a:extLst>
+          </p:cNvPr>
+          <p:cNvPicPr>
+            <a:picLocks noChangeAspect="1"/>
+          </p:cNvPicPr>
+          <p:nvPr/>
+        </p:nvPicPr>
+        <p:blipFill>
+          <a:blip r:embed="rId2" cstate="print">
+            <a:extLst>
+              <a:ext uri="{28A0092B-C50C-407E-A947-70E740481C1C}">
+                <a14:useLocalDpi xmlns:a14="http://schemas.microsoft.com/office/drawing/2010/main" val="0"/>
+              </a:ext>
+            </a:extLst>
+          </a:blip>
+          <a:stretch>
+            <a:fillRect/>
+          </a:stretch>
+        </p:blipFill>
+        <p:spPr>
+          <a:xfrm>
+            <a:off x="10272011" y="6145293"/>
+            <a:ext cx="1802895" cy="712707"/>
+          </a:xfrm>
+          <a:prstGeom prst="rect">
+            <a:avLst/>
+          </a:prstGeom>
+        </p:spPr>
+      </p:pic>
+    </p:spTree>
+    <p:extLst>
+      <p:ext uri="{BB962C8B-B14F-4D97-AF65-F5344CB8AC3E}">
+        <p14:creationId xmlns:p14="http://schemas.microsoft.com/office/powerpoint/2010/main" val="4211171485"/>
       </p:ext>
     </p:extLst>
   </p:cSld>
@@ -6314,7 +6802,7 @@
     </a:clrScheme>
     <a:fontScheme name="Стандартная">
       <a:majorFont>
-        <a:latin typeface="Calibri Light" panose="020F0302020204030204"/>
+        <a:latin typeface="Calibri Light"/>
         <a:ea typeface=""/>
         <a:cs typeface=""/>
         <a:font script="Jpan" typeface="游ゴシック Light"/>
@@ -6366,7 +6854,7 @@
         <a:font script="Tfng" typeface="Ebrima"/>
       </a:majorFont>
       <a:minorFont>
-        <a:latin typeface="Calibri" panose="020F0502020204030204"/>
+        <a:latin typeface="Calibri"/>
         <a:ea typeface=""/>
         <a:cs typeface=""/>
         <a:font script="Jpan" typeface="游ゴシック"/>
@@ -6560,7 +7048,7 @@
   <a:extraClrSchemeLst/>
   <a:extLst>
     <a:ext uri="{05A4C25C-085E-4340-85A3-A5531E510DB2}">
-      <thm15:themeFamily xmlns:thm15="http://schemas.microsoft.com/office/thememl/2012/main" name="Office Theme" id="{62F939B6-93AF-4DB8-9C6B-D6C7DFDC589F}" vid="{4A3C46E8-61CC-4603-A589-7422A47A8E4A}"/>
+      <thm15:themeFamily xmlns:thm15="http://schemas.microsoft.com/office/thememl/2012/main" xmlns="" name="Office Theme" id="{62F939B6-93AF-4DB8-9C6B-D6C7DFDC589F}" vid="{4A3C46E8-61CC-4603-A589-7422A47A8E4A}"/>
     </a:ext>
   </a:extLst>
 </a:theme>
